--- a/doc/diagram.pptx
+++ b/doc/diagram.pptx
@@ -261,7 +261,7 @@
           <a:p>
             <a:fld id="{6015C4CC-EF3B-CC44-AA50-F20180885139}" type="datetimeFigureOut">
               <a:rPr lang="en-KR" smtClean="0"/>
-              <a:t>2021/09/03</a:t>
+              <a:t>2021/09/07</a:t>
             </a:fld>
             <a:endParaRPr lang="en-KR"/>
           </a:p>
@@ -461,7 +461,7 @@
           <a:p>
             <a:fld id="{6015C4CC-EF3B-CC44-AA50-F20180885139}" type="datetimeFigureOut">
               <a:rPr lang="en-KR" smtClean="0"/>
-              <a:t>2021/09/03</a:t>
+              <a:t>2021/09/07</a:t>
             </a:fld>
             <a:endParaRPr lang="en-KR"/>
           </a:p>
@@ -671,7 +671,7 @@
           <a:p>
             <a:fld id="{6015C4CC-EF3B-CC44-AA50-F20180885139}" type="datetimeFigureOut">
               <a:rPr lang="en-KR" smtClean="0"/>
-              <a:t>2021/09/03</a:t>
+              <a:t>2021/09/07</a:t>
             </a:fld>
             <a:endParaRPr lang="en-KR"/>
           </a:p>
@@ -871,7 +871,7 @@
           <a:p>
             <a:fld id="{6015C4CC-EF3B-CC44-AA50-F20180885139}" type="datetimeFigureOut">
               <a:rPr lang="en-KR" smtClean="0"/>
-              <a:t>2021/09/03</a:t>
+              <a:t>2021/09/07</a:t>
             </a:fld>
             <a:endParaRPr lang="en-KR"/>
           </a:p>
@@ -1147,7 +1147,7 @@
           <a:p>
             <a:fld id="{6015C4CC-EF3B-CC44-AA50-F20180885139}" type="datetimeFigureOut">
               <a:rPr lang="en-KR" smtClean="0"/>
-              <a:t>2021/09/03</a:t>
+              <a:t>2021/09/07</a:t>
             </a:fld>
             <a:endParaRPr lang="en-KR"/>
           </a:p>
@@ -1415,7 +1415,7 @@
           <a:p>
             <a:fld id="{6015C4CC-EF3B-CC44-AA50-F20180885139}" type="datetimeFigureOut">
               <a:rPr lang="en-KR" smtClean="0"/>
-              <a:t>2021/09/03</a:t>
+              <a:t>2021/09/07</a:t>
             </a:fld>
             <a:endParaRPr lang="en-KR"/>
           </a:p>
@@ -1830,7 +1830,7 @@
           <a:p>
             <a:fld id="{6015C4CC-EF3B-CC44-AA50-F20180885139}" type="datetimeFigureOut">
               <a:rPr lang="en-KR" smtClean="0"/>
-              <a:t>2021/09/03</a:t>
+              <a:t>2021/09/07</a:t>
             </a:fld>
             <a:endParaRPr lang="en-KR"/>
           </a:p>
@@ -1972,7 +1972,7 @@
           <a:p>
             <a:fld id="{6015C4CC-EF3B-CC44-AA50-F20180885139}" type="datetimeFigureOut">
               <a:rPr lang="en-KR" smtClean="0"/>
-              <a:t>2021/09/03</a:t>
+              <a:t>2021/09/07</a:t>
             </a:fld>
             <a:endParaRPr lang="en-KR"/>
           </a:p>
@@ -2085,7 +2085,7 @@
           <a:p>
             <a:fld id="{6015C4CC-EF3B-CC44-AA50-F20180885139}" type="datetimeFigureOut">
               <a:rPr lang="en-KR" smtClean="0"/>
-              <a:t>2021/09/03</a:t>
+              <a:t>2021/09/07</a:t>
             </a:fld>
             <a:endParaRPr lang="en-KR"/>
           </a:p>
@@ -2398,7 +2398,7 @@
           <a:p>
             <a:fld id="{6015C4CC-EF3B-CC44-AA50-F20180885139}" type="datetimeFigureOut">
               <a:rPr lang="en-KR" smtClean="0"/>
-              <a:t>2021/09/03</a:t>
+              <a:t>2021/09/07</a:t>
             </a:fld>
             <a:endParaRPr lang="en-KR"/>
           </a:p>
@@ -2687,7 +2687,7 @@
           <a:p>
             <a:fld id="{6015C4CC-EF3B-CC44-AA50-F20180885139}" type="datetimeFigureOut">
               <a:rPr lang="en-KR" smtClean="0"/>
-              <a:t>2021/09/03</a:t>
+              <a:t>2021/09/07</a:t>
             </a:fld>
             <a:endParaRPr lang="en-KR"/>
           </a:p>
@@ -2930,7 +2930,7 @@
           <a:p>
             <a:fld id="{6015C4CC-EF3B-CC44-AA50-F20180885139}" type="datetimeFigureOut">
               <a:rPr lang="en-KR" smtClean="0"/>
-              <a:t>2021/09/03</a:t>
+              <a:t>2021/09/07</a:t>
             </a:fld>
             <a:endParaRPr lang="en-KR"/>
           </a:p>
@@ -4888,7 +4888,7 @@
               <p:spPr>
                 <a:xfrm>
                   <a:off x="3591650" y="2961773"/>
-                  <a:ext cx="1042978" cy="1131785"/>
+                  <a:ext cx="1836978" cy="1223733"/>
                 </a:xfrm>
                 <a:prstGeom prst="rect">
                   <a:avLst/>
@@ -4930,6 +4930,12 @@
                                   <a:rPr lang="en-US" sz="3600" b="0" i="1" smtClean="0">
                                     <a:latin typeface="Cambria Math" panose="02040503050406030204" pitchFamily="18" charset="0"/>
                                   </a:rPr>
+                                  <m:t>1−</m:t>
+                                </m:r>
+                                <m:r>
+                                  <a:rPr lang="en-US" sz="3600" b="0" i="1" smtClean="0">
+                                    <a:latin typeface="Cambria Math" panose="02040503050406030204" pitchFamily="18" charset="0"/>
+                                  </a:rPr>
                                   <m:t>𝑒</m:t>
                                 </m:r>
                               </m:e>
@@ -4938,7 +4944,7 @@
                                   <a:rPr lang="en-US" sz="3600" b="0" i="1" smtClean="0">
                                     <a:latin typeface="Cambria Math" panose="02040503050406030204" pitchFamily="18" charset="0"/>
                                   </a:rPr>
-                                  <m:t>2</m:t>
+                                  <m:t>1</m:t>
                                 </m:r>
                               </m:sub>
                             </m:sSub>
@@ -4965,7 +4971,7 @@
                                   <a:rPr lang="en-US" sz="3600" b="0" i="1" smtClean="0">
                                     <a:latin typeface="Cambria Math" panose="02040503050406030204" pitchFamily="18" charset="0"/>
                                   </a:rPr>
-                                  <m:t>1</m:t>
+                                  <m:t>2</m:t>
                                 </m:r>
                               </m:sub>
                             </m:sSub>
@@ -5003,7 +5009,7 @@
               <p:spPr>
                 <a:xfrm>
                   <a:off x="3591650" y="2961773"/>
-                  <a:ext cx="1042978" cy="1131785"/>
+                  <a:ext cx="1836978" cy="1223733"/>
                 </a:xfrm>
                 <a:prstGeom prst="rect">
                   <a:avLst/>
@@ -5011,7 +5017,7 @@
                 <a:blipFill>
                   <a:blip r:embed="rId12"/>
                   <a:stretch>
-                    <a:fillRect r="-1205" b="-4444"/>
+                    <a:fillRect b="-5155"/>
                   </a:stretch>
                 </a:blipFill>
               </p:spPr>
@@ -5030,8 +5036,8 @@
             </p:sp>
           </mc:Fallback>
         </mc:AlternateContent>
-        <mc:AlternateContent xmlns:mc="http://schemas.openxmlformats.org/markup-compatibility/2006">
-          <mc:Choice xmlns:a14="http://schemas.microsoft.com/office/drawing/2010/main" Requires="a14">
+        <mc:AlternateContent xmlns:mc="http://schemas.openxmlformats.org/markup-compatibility/2006" xmlns:a14="http://schemas.microsoft.com/office/drawing/2010/main">
+          <mc:Choice Requires="a14">
             <p:sp>
               <p:nvSpPr>
                 <p:cNvPr id="34" name="TextBox 33">
@@ -5104,7 +5110,7 @@
               </p:txBody>
             </p:sp>
           </mc:Choice>
-          <mc:Fallback>
+          <mc:Fallback xmlns="">
             <p:sp>
               <p:nvSpPr>
                 <p:cNvPr id="34" name="TextBox 33">
@@ -5149,8 +5155,8 @@
             </p:sp>
           </mc:Fallback>
         </mc:AlternateContent>
-        <mc:AlternateContent xmlns:mc="http://schemas.openxmlformats.org/markup-compatibility/2006">
-          <mc:Choice xmlns:a14="http://schemas.microsoft.com/office/drawing/2010/main" Requires="a14">
+        <mc:AlternateContent xmlns:mc="http://schemas.openxmlformats.org/markup-compatibility/2006" xmlns:a14="http://schemas.microsoft.com/office/drawing/2010/main">
+          <mc:Choice Requires="a14">
             <p:sp>
               <p:nvSpPr>
                 <p:cNvPr id="35" name="TextBox 34">
@@ -5231,7 +5237,7 @@
               </p:txBody>
             </p:sp>
           </mc:Choice>
-          <mc:Fallback>
+          <mc:Fallback xmlns="">
             <p:sp>
               <p:nvSpPr>
                 <p:cNvPr id="35" name="TextBox 34">

--- a/doc/diagram.pptx
+++ b/doc/diagram.pptx
@@ -4,6 +4,9 @@
   <p:sldMasterIdLst>
     <p:sldMasterId id="2147483648" r:id="rId1"/>
   </p:sldMasterIdLst>
+  <p:notesMasterIdLst>
+    <p:notesMasterId r:id="rId3"/>
+  </p:notesMasterIdLst>
   <p:sldIdLst>
     <p:sldId id="256" r:id="rId2"/>
   </p:sldIdLst>
@@ -112,6 +115,440 @@
 </p:presentation>
 </file>
 
+<file path=ppt/notesMasters/notesMaster1.xml><?xml version="1.0" encoding="utf-8"?>
+<p:notesMaster xmlns:a="http://schemas.openxmlformats.org/drawingml/2006/main" xmlns:r="http://schemas.openxmlformats.org/officeDocument/2006/relationships" xmlns:p="http://schemas.openxmlformats.org/presentationml/2006/main">
+  <p:cSld>
+    <p:bg>
+      <p:bgRef idx="1001">
+        <a:schemeClr val="bg1"/>
+      </p:bgRef>
+    </p:bg>
+    <p:spTree>
+      <p:nvGrpSpPr>
+        <p:cNvPr id="1" name=""/>
+        <p:cNvGrpSpPr/>
+        <p:nvPr/>
+      </p:nvGrpSpPr>
+      <p:grpSpPr>
+        <a:xfrm>
+          <a:off x="0" y="0"/>
+          <a:ext cx="0" cy="0"/>
+          <a:chOff x="0" y="0"/>
+          <a:chExt cx="0" cy="0"/>
+        </a:xfrm>
+      </p:grpSpPr>
+      <p:sp>
+        <p:nvSpPr>
+          <p:cNvPr id="2" name="Header Placeholder 1"/>
+          <p:cNvSpPr>
+            <a:spLocks noGrp="1"/>
+          </p:cNvSpPr>
+          <p:nvPr>
+            <p:ph type="hdr" sz="quarter"/>
+          </p:nvPr>
+        </p:nvSpPr>
+        <p:spPr>
+          <a:xfrm>
+            <a:off x="0" y="0"/>
+            <a:ext cx="2971800" cy="458788"/>
+          </a:xfrm>
+          <a:prstGeom prst="rect">
+            <a:avLst/>
+          </a:prstGeom>
+        </p:spPr>
+        <p:txBody>
+          <a:bodyPr vert="horz" lIns="91440" tIns="45720" rIns="91440" bIns="45720" rtlCol="0"/>
+          <a:lstStyle>
+            <a:lvl1pPr algn="l">
+              <a:defRPr sz="1200"/>
+            </a:lvl1pPr>
+          </a:lstStyle>
+          <a:p>
+            <a:endParaRPr lang="en-KR"/>
+          </a:p>
+        </p:txBody>
+      </p:sp>
+      <p:sp>
+        <p:nvSpPr>
+          <p:cNvPr id="3" name="Date Placeholder 2"/>
+          <p:cNvSpPr>
+            <a:spLocks noGrp="1"/>
+          </p:cNvSpPr>
+          <p:nvPr>
+            <p:ph type="dt" idx="1"/>
+          </p:nvPr>
+        </p:nvSpPr>
+        <p:spPr>
+          <a:xfrm>
+            <a:off x="3884613" y="0"/>
+            <a:ext cx="2971800" cy="458788"/>
+          </a:xfrm>
+          <a:prstGeom prst="rect">
+            <a:avLst/>
+          </a:prstGeom>
+        </p:spPr>
+        <p:txBody>
+          <a:bodyPr vert="horz" lIns="91440" tIns="45720" rIns="91440" bIns="45720" rtlCol="0"/>
+          <a:lstStyle>
+            <a:lvl1pPr algn="r">
+              <a:defRPr sz="1200"/>
+            </a:lvl1pPr>
+          </a:lstStyle>
+          <a:p>
+            <a:fld id="{CA43E32E-E1A1-8E4B-AED4-7E987577417E}" type="datetimeFigureOut">
+              <a:rPr lang="en-KR" smtClean="0"/>
+              <a:t>2021/09/23</a:t>
+            </a:fld>
+            <a:endParaRPr lang="en-KR"/>
+          </a:p>
+        </p:txBody>
+      </p:sp>
+      <p:sp>
+        <p:nvSpPr>
+          <p:cNvPr id="4" name="Slide Image Placeholder 3"/>
+          <p:cNvSpPr>
+            <a:spLocks noGrp="1" noRot="1" noChangeAspect="1"/>
+          </p:cNvSpPr>
+          <p:nvPr>
+            <p:ph type="sldImg" idx="2"/>
+          </p:nvPr>
+        </p:nvSpPr>
+        <p:spPr>
+          <a:xfrm>
+            <a:off x="685800" y="1143000"/>
+            <a:ext cx="5486400" cy="3086100"/>
+          </a:xfrm>
+          <a:prstGeom prst="rect">
+            <a:avLst/>
+          </a:prstGeom>
+          <a:noFill/>
+          <a:ln w="12700">
+            <a:solidFill>
+              <a:prstClr val="black"/>
+            </a:solidFill>
+          </a:ln>
+        </p:spPr>
+        <p:txBody>
+          <a:bodyPr vert="horz" lIns="91440" tIns="45720" rIns="91440" bIns="45720" rtlCol="0" anchor="ctr"/>
+          <a:lstStyle/>
+          <a:p>
+            <a:endParaRPr lang="en-KR"/>
+          </a:p>
+        </p:txBody>
+      </p:sp>
+      <p:sp>
+        <p:nvSpPr>
+          <p:cNvPr id="5" name="Notes Placeholder 4"/>
+          <p:cNvSpPr>
+            <a:spLocks noGrp="1"/>
+          </p:cNvSpPr>
+          <p:nvPr>
+            <p:ph type="body" sz="quarter" idx="3"/>
+          </p:nvPr>
+        </p:nvSpPr>
+        <p:spPr>
+          <a:xfrm>
+            <a:off x="685800" y="4400550"/>
+            <a:ext cx="5486400" cy="3600450"/>
+          </a:xfrm>
+          <a:prstGeom prst="rect">
+            <a:avLst/>
+          </a:prstGeom>
+        </p:spPr>
+        <p:txBody>
+          <a:bodyPr vert="horz" lIns="91440" tIns="45720" rIns="91440" bIns="45720" rtlCol="0"/>
+          <a:lstStyle/>
+          <a:p>
+            <a:pPr lvl="0"/>
+            <a:r>
+              <a:rPr lang="en-US"/>
+              <a:t>Click to edit Master text styles</a:t>
+            </a:r>
+          </a:p>
+          <a:p>
+            <a:pPr lvl="1"/>
+            <a:r>
+              <a:rPr lang="en-US"/>
+              <a:t>Second level</a:t>
+            </a:r>
+          </a:p>
+          <a:p>
+            <a:pPr lvl="2"/>
+            <a:r>
+              <a:rPr lang="en-US"/>
+              <a:t>Third level</a:t>
+            </a:r>
+          </a:p>
+          <a:p>
+            <a:pPr lvl="3"/>
+            <a:r>
+              <a:rPr lang="en-US"/>
+              <a:t>Fourth level</a:t>
+            </a:r>
+          </a:p>
+          <a:p>
+            <a:pPr lvl="4"/>
+            <a:r>
+              <a:rPr lang="en-US"/>
+              <a:t>Fifth level</a:t>
+            </a:r>
+            <a:endParaRPr lang="en-KR"/>
+          </a:p>
+        </p:txBody>
+      </p:sp>
+      <p:sp>
+        <p:nvSpPr>
+          <p:cNvPr id="6" name="Footer Placeholder 5"/>
+          <p:cNvSpPr>
+            <a:spLocks noGrp="1"/>
+          </p:cNvSpPr>
+          <p:nvPr>
+            <p:ph type="ftr" sz="quarter" idx="4"/>
+          </p:nvPr>
+        </p:nvSpPr>
+        <p:spPr>
+          <a:xfrm>
+            <a:off x="0" y="8685213"/>
+            <a:ext cx="2971800" cy="458787"/>
+          </a:xfrm>
+          <a:prstGeom prst="rect">
+            <a:avLst/>
+          </a:prstGeom>
+        </p:spPr>
+        <p:txBody>
+          <a:bodyPr vert="horz" lIns="91440" tIns="45720" rIns="91440" bIns="45720" rtlCol="0" anchor="b"/>
+          <a:lstStyle>
+            <a:lvl1pPr algn="l">
+              <a:defRPr sz="1200"/>
+            </a:lvl1pPr>
+          </a:lstStyle>
+          <a:p>
+            <a:endParaRPr lang="en-KR"/>
+          </a:p>
+        </p:txBody>
+      </p:sp>
+      <p:sp>
+        <p:nvSpPr>
+          <p:cNvPr id="7" name="Slide Number Placeholder 6"/>
+          <p:cNvSpPr>
+            <a:spLocks noGrp="1"/>
+          </p:cNvSpPr>
+          <p:nvPr>
+            <p:ph type="sldNum" sz="quarter" idx="5"/>
+          </p:nvPr>
+        </p:nvSpPr>
+        <p:spPr>
+          <a:xfrm>
+            <a:off x="3884613" y="8685213"/>
+            <a:ext cx="2971800" cy="458787"/>
+          </a:xfrm>
+          <a:prstGeom prst="rect">
+            <a:avLst/>
+          </a:prstGeom>
+        </p:spPr>
+        <p:txBody>
+          <a:bodyPr vert="horz" lIns="91440" tIns="45720" rIns="91440" bIns="45720" rtlCol="0" anchor="b"/>
+          <a:lstStyle>
+            <a:lvl1pPr algn="r">
+              <a:defRPr sz="1200"/>
+            </a:lvl1pPr>
+          </a:lstStyle>
+          <a:p>
+            <a:fld id="{040ADB25-1512-C243-A336-0DDA98618B12}" type="slidenum">
+              <a:rPr lang="en-KR" smtClean="0"/>
+              <a:t>‹#›</a:t>
+            </a:fld>
+            <a:endParaRPr lang="en-KR"/>
+          </a:p>
+        </p:txBody>
+      </p:sp>
+    </p:spTree>
+    <p:extLst>
+      <p:ext uri="{BB962C8B-B14F-4D97-AF65-F5344CB8AC3E}">
+        <p14:creationId xmlns:p14="http://schemas.microsoft.com/office/powerpoint/2010/main" val="1081948252"/>
+      </p:ext>
+    </p:extLst>
+  </p:cSld>
+  <p:clrMap bg1="lt1" tx1="dk1" bg2="lt2" tx2="dk2" accent1="accent1" accent2="accent2" accent3="accent3" accent4="accent4" accent5="accent5" accent6="accent6" hlink="hlink" folHlink="folHlink"/>
+  <p:notesStyle>
+    <a:lvl1pPr marL="0" algn="l" defTabSz="914400" rtl="0" eaLnBrk="1" latinLnBrk="0" hangingPunct="1">
+      <a:defRPr sz="1200" kern="1200">
+        <a:solidFill>
+          <a:schemeClr val="tx1"/>
+        </a:solidFill>
+        <a:latin typeface="+mn-lt"/>
+        <a:ea typeface="+mn-ea"/>
+        <a:cs typeface="+mn-cs"/>
+      </a:defRPr>
+    </a:lvl1pPr>
+    <a:lvl2pPr marL="457200" algn="l" defTabSz="914400" rtl="0" eaLnBrk="1" latinLnBrk="0" hangingPunct="1">
+      <a:defRPr sz="1200" kern="1200">
+        <a:solidFill>
+          <a:schemeClr val="tx1"/>
+        </a:solidFill>
+        <a:latin typeface="+mn-lt"/>
+        <a:ea typeface="+mn-ea"/>
+        <a:cs typeface="+mn-cs"/>
+      </a:defRPr>
+    </a:lvl2pPr>
+    <a:lvl3pPr marL="914400" algn="l" defTabSz="914400" rtl="0" eaLnBrk="1" latinLnBrk="0" hangingPunct="1">
+      <a:defRPr sz="1200" kern="1200">
+        <a:solidFill>
+          <a:schemeClr val="tx1"/>
+        </a:solidFill>
+        <a:latin typeface="+mn-lt"/>
+        <a:ea typeface="+mn-ea"/>
+        <a:cs typeface="+mn-cs"/>
+      </a:defRPr>
+    </a:lvl3pPr>
+    <a:lvl4pPr marL="1371600" algn="l" defTabSz="914400" rtl="0" eaLnBrk="1" latinLnBrk="0" hangingPunct="1">
+      <a:defRPr sz="1200" kern="1200">
+        <a:solidFill>
+          <a:schemeClr val="tx1"/>
+        </a:solidFill>
+        <a:latin typeface="+mn-lt"/>
+        <a:ea typeface="+mn-ea"/>
+        <a:cs typeface="+mn-cs"/>
+      </a:defRPr>
+    </a:lvl4pPr>
+    <a:lvl5pPr marL="1828800" algn="l" defTabSz="914400" rtl="0" eaLnBrk="1" latinLnBrk="0" hangingPunct="1">
+      <a:defRPr sz="1200" kern="1200">
+        <a:solidFill>
+          <a:schemeClr val="tx1"/>
+        </a:solidFill>
+        <a:latin typeface="+mn-lt"/>
+        <a:ea typeface="+mn-ea"/>
+        <a:cs typeface="+mn-cs"/>
+      </a:defRPr>
+    </a:lvl5pPr>
+    <a:lvl6pPr marL="2286000" algn="l" defTabSz="914400" rtl="0" eaLnBrk="1" latinLnBrk="0" hangingPunct="1">
+      <a:defRPr sz="1200" kern="1200">
+        <a:solidFill>
+          <a:schemeClr val="tx1"/>
+        </a:solidFill>
+        <a:latin typeface="+mn-lt"/>
+        <a:ea typeface="+mn-ea"/>
+        <a:cs typeface="+mn-cs"/>
+      </a:defRPr>
+    </a:lvl6pPr>
+    <a:lvl7pPr marL="2743200" algn="l" defTabSz="914400" rtl="0" eaLnBrk="1" latinLnBrk="0" hangingPunct="1">
+      <a:defRPr sz="1200" kern="1200">
+        <a:solidFill>
+          <a:schemeClr val="tx1"/>
+        </a:solidFill>
+        <a:latin typeface="+mn-lt"/>
+        <a:ea typeface="+mn-ea"/>
+        <a:cs typeface="+mn-cs"/>
+      </a:defRPr>
+    </a:lvl7pPr>
+    <a:lvl8pPr marL="3200400" algn="l" defTabSz="914400" rtl="0" eaLnBrk="1" latinLnBrk="0" hangingPunct="1">
+      <a:defRPr sz="1200" kern="1200">
+        <a:solidFill>
+          <a:schemeClr val="tx1"/>
+        </a:solidFill>
+        <a:latin typeface="+mn-lt"/>
+        <a:ea typeface="+mn-ea"/>
+        <a:cs typeface="+mn-cs"/>
+      </a:defRPr>
+    </a:lvl8pPr>
+    <a:lvl9pPr marL="3657600" algn="l" defTabSz="914400" rtl="0" eaLnBrk="1" latinLnBrk="0" hangingPunct="1">
+      <a:defRPr sz="1200" kern="1200">
+        <a:solidFill>
+          <a:schemeClr val="tx1"/>
+        </a:solidFill>
+        <a:latin typeface="+mn-lt"/>
+        <a:ea typeface="+mn-ea"/>
+        <a:cs typeface="+mn-cs"/>
+      </a:defRPr>
+    </a:lvl9pPr>
+  </p:notesStyle>
+</p:notesMaster>
+</file>
+
+<file path=ppt/notesSlides/notesSlide1.xml><?xml version="1.0" encoding="utf-8"?>
+<p:notes xmlns:a="http://schemas.openxmlformats.org/drawingml/2006/main" xmlns:r="http://schemas.openxmlformats.org/officeDocument/2006/relationships" xmlns:p="http://schemas.openxmlformats.org/presentationml/2006/main">
+  <p:cSld>
+    <p:spTree>
+      <p:nvGrpSpPr>
+        <p:cNvPr id="1" name=""/>
+        <p:cNvGrpSpPr/>
+        <p:nvPr/>
+      </p:nvGrpSpPr>
+      <p:grpSpPr>
+        <a:xfrm>
+          <a:off x="0" y="0"/>
+          <a:ext cx="0" cy="0"/>
+          <a:chOff x="0" y="0"/>
+          <a:chExt cx="0" cy="0"/>
+        </a:xfrm>
+      </p:grpSpPr>
+      <p:sp>
+        <p:nvSpPr>
+          <p:cNvPr id="2" name="Slide Image Placeholder 1"/>
+          <p:cNvSpPr>
+            <a:spLocks noGrp="1" noRot="1" noChangeAspect="1"/>
+          </p:cNvSpPr>
+          <p:nvPr>
+            <p:ph type="sldImg"/>
+          </p:nvPr>
+        </p:nvSpPr>
+        <p:spPr/>
+      </p:sp>
+      <p:sp>
+        <p:nvSpPr>
+          <p:cNvPr id="3" name="Notes Placeholder 2"/>
+          <p:cNvSpPr>
+            <a:spLocks noGrp="1"/>
+          </p:cNvSpPr>
+          <p:nvPr>
+            <p:ph type="body" idx="1"/>
+          </p:nvPr>
+        </p:nvSpPr>
+        <p:spPr/>
+        <p:txBody>
+          <a:bodyPr/>
+          <a:lstStyle/>
+          <a:p>
+            <a:endParaRPr lang="en-KR" dirty="0"/>
+          </a:p>
+        </p:txBody>
+      </p:sp>
+      <p:sp>
+        <p:nvSpPr>
+          <p:cNvPr id="4" name="Slide Number Placeholder 3"/>
+          <p:cNvSpPr>
+            <a:spLocks noGrp="1"/>
+          </p:cNvSpPr>
+          <p:nvPr>
+            <p:ph type="sldNum" sz="quarter" idx="5"/>
+          </p:nvPr>
+        </p:nvSpPr>
+        <p:spPr/>
+        <p:txBody>
+          <a:bodyPr/>
+          <a:lstStyle/>
+          <a:p>
+            <a:fld id="{040ADB25-1512-C243-A336-0DDA98618B12}" type="slidenum">
+              <a:rPr lang="en-KR" smtClean="0"/>
+              <a:t>1</a:t>
+            </a:fld>
+            <a:endParaRPr lang="en-KR"/>
+          </a:p>
+        </p:txBody>
+      </p:sp>
+    </p:spTree>
+    <p:extLst>
+      <p:ext uri="{BB962C8B-B14F-4D97-AF65-F5344CB8AC3E}">
+        <p14:creationId xmlns:p14="http://schemas.microsoft.com/office/powerpoint/2010/main" val="1883939739"/>
+      </p:ext>
+    </p:extLst>
+  </p:cSld>
+  <p:clrMapOvr>
+    <a:masterClrMapping/>
+  </p:clrMapOvr>
+</p:notes>
+</file>
+
 <file path=ppt/slideLayouts/slideLayout1.xml><?xml version="1.0" encoding="utf-8"?>
 <p:sldLayout xmlns:a="http://schemas.openxmlformats.org/drawingml/2006/main" xmlns:r="http://schemas.openxmlformats.org/officeDocument/2006/relationships" xmlns:p="http://schemas.openxmlformats.org/presentationml/2006/main" type="title" preserve="1">
   <p:cSld name="Title Slide">
@@ -261,7 +698,7 @@
           <a:p>
             <a:fld id="{6015C4CC-EF3B-CC44-AA50-F20180885139}" type="datetimeFigureOut">
               <a:rPr lang="en-KR" smtClean="0"/>
-              <a:t>2021/09/07</a:t>
+              <a:t>2021/09/23</a:t>
             </a:fld>
             <a:endParaRPr lang="en-KR"/>
           </a:p>
@@ -461,7 +898,7 @@
           <a:p>
             <a:fld id="{6015C4CC-EF3B-CC44-AA50-F20180885139}" type="datetimeFigureOut">
               <a:rPr lang="en-KR" smtClean="0"/>
-              <a:t>2021/09/07</a:t>
+              <a:t>2021/09/23</a:t>
             </a:fld>
             <a:endParaRPr lang="en-KR"/>
           </a:p>
@@ -671,7 +1108,7 @@
           <a:p>
             <a:fld id="{6015C4CC-EF3B-CC44-AA50-F20180885139}" type="datetimeFigureOut">
               <a:rPr lang="en-KR" smtClean="0"/>
-              <a:t>2021/09/07</a:t>
+              <a:t>2021/09/23</a:t>
             </a:fld>
             <a:endParaRPr lang="en-KR"/>
           </a:p>
@@ -871,7 +1308,7 @@
           <a:p>
             <a:fld id="{6015C4CC-EF3B-CC44-AA50-F20180885139}" type="datetimeFigureOut">
               <a:rPr lang="en-KR" smtClean="0"/>
-              <a:t>2021/09/07</a:t>
+              <a:t>2021/09/23</a:t>
             </a:fld>
             <a:endParaRPr lang="en-KR"/>
           </a:p>
@@ -1147,7 +1584,7 @@
           <a:p>
             <a:fld id="{6015C4CC-EF3B-CC44-AA50-F20180885139}" type="datetimeFigureOut">
               <a:rPr lang="en-KR" smtClean="0"/>
-              <a:t>2021/09/07</a:t>
+              <a:t>2021/09/23</a:t>
             </a:fld>
             <a:endParaRPr lang="en-KR"/>
           </a:p>
@@ -1415,7 +1852,7 @@
           <a:p>
             <a:fld id="{6015C4CC-EF3B-CC44-AA50-F20180885139}" type="datetimeFigureOut">
               <a:rPr lang="en-KR" smtClean="0"/>
-              <a:t>2021/09/07</a:t>
+              <a:t>2021/09/23</a:t>
             </a:fld>
             <a:endParaRPr lang="en-KR"/>
           </a:p>
@@ -1830,7 +2267,7 @@
           <a:p>
             <a:fld id="{6015C4CC-EF3B-CC44-AA50-F20180885139}" type="datetimeFigureOut">
               <a:rPr lang="en-KR" smtClean="0"/>
-              <a:t>2021/09/07</a:t>
+              <a:t>2021/09/23</a:t>
             </a:fld>
             <a:endParaRPr lang="en-KR"/>
           </a:p>
@@ -1972,7 +2409,7 @@
           <a:p>
             <a:fld id="{6015C4CC-EF3B-CC44-AA50-F20180885139}" type="datetimeFigureOut">
               <a:rPr lang="en-KR" smtClean="0"/>
-              <a:t>2021/09/07</a:t>
+              <a:t>2021/09/23</a:t>
             </a:fld>
             <a:endParaRPr lang="en-KR"/>
           </a:p>
@@ -2085,7 +2522,7 @@
           <a:p>
             <a:fld id="{6015C4CC-EF3B-CC44-AA50-F20180885139}" type="datetimeFigureOut">
               <a:rPr lang="en-KR" smtClean="0"/>
-              <a:t>2021/09/07</a:t>
+              <a:t>2021/09/23</a:t>
             </a:fld>
             <a:endParaRPr lang="en-KR"/>
           </a:p>
@@ -2398,7 +2835,7 @@
           <a:p>
             <a:fld id="{6015C4CC-EF3B-CC44-AA50-F20180885139}" type="datetimeFigureOut">
               <a:rPr lang="en-KR" smtClean="0"/>
-              <a:t>2021/09/07</a:t>
+              <a:t>2021/09/23</a:t>
             </a:fld>
             <a:endParaRPr lang="en-KR"/>
           </a:p>
@@ -2687,7 +3124,7 @@
           <a:p>
             <a:fld id="{6015C4CC-EF3B-CC44-AA50-F20180885139}" type="datetimeFigureOut">
               <a:rPr lang="en-KR" smtClean="0"/>
-              <a:t>2021/09/07</a:t>
+              <a:t>2021/09/23</a:t>
             </a:fld>
             <a:endParaRPr lang="en-KR"/>
           </a:p>
@@ -2930,7 +3367,7 @@
           <a:p>
             <a:fld id="{6015C4CC-EF3B-CC44-AA50-F20180885139}" type="datetimeFigureOut">
               <a:rPr lang="en-KR" smtClean="0"/>
-              <a:t>2021/09/07</a:t>
+              <a:t>2021/09/23</a:t>
             </a:fld>
             <a:endParaRPr lang="en-KR"/>
           </a:p>
@@ -3349,10 +3786,10 @@
       </p:grpSpPr>
       <p:grpSp>
         <p:nvGrpSpPr>
-          <p:cNvPr id="36" name="Group 35">
+          <p:cNvPr id="39" name="Group 38">
             <a:extLst>
               <a:ext uri="{FF2B5EF4-FFF2-40B4-BE49-F238E27FC236}">
-                <a16:creationId xmlns:a16="http://schemas.microsoft.com/office/drawing/2014/main" id="{731DA8F7-DAFB-DD48-95FE-961A5CEC0377}"/>
+                <a16:creationId xmlns:a16="http://schemas.microsoft.com/office/drawing/2014/main" id="{D333BAD2-3AB6-BA4E-B9F6-B3C3D5890AFA}"/>
               </a:ext>
             </a:extLst>
           </p:cNvPr>
@@ -3361,20 +3798,1742 @@
         </p:nvGrpSpPr>
         <p:grpSpPr>
           <a:xfrm>
-            <a:off x="-304405" y="1490592"/>
-            <a:ext cx="12103920" cy="3876815"/>
-            <a:chOff x="-304405" y="1490592"/>
-            <a:chExt cx="12103920" cy="3876815"/>
+            <a:off x="-540131" y="1490592"/>
+            <a:ext cx="12497301" cy="4689394"/>
+            <a:chOff x="-540131" y="1490592"/>
+            <a:chExt cx="12497301" cy="4689394"/>
           </a:xfrm>
         </p:grpSpPr>
-        <mc:AlternateContent xmlns:mc="http://schemas.openxmlformats.org/markup-compatibility/2006" xmlns:a14="http://schemas.microsoft.com/office/drawing/2010/main">
-          <mc:Choice Requires="a14">
+        <p:grpSp>
+          <p:nvGrpSpPr>
+            <p:cNvPr id="36" name="Group 35">
+              <a:extLst>
+                <a:ext uri="{FF2B5EF4-FFF2-40B4-BE49-F238E27FC236}">
+                  <a16:creationId xmlns:a16="http://schemas.microsoft.com/office/drawing/2014/main" id="{731DA8F7-DAFB-DD48-95FE-961A5CEC0377}"/>
+                </a:ext>
+              </a:extLst>
+            </p:cNvPr>
+            <p:cNvGrpSpPr/>
+            <p:nvPr/>
+          </p:nvGrpSpPr>
+          <p:grpSpPr>
+            <a:xfrm>
+              <a:off x="-540131" y="1490592"/>
+              <a:ext cx="12497301" cy="4689394"/>
+              <a:chOff x="-697786" y="1490592"/>
+              <a:chExt cx="12497301" cy="4689394"/>
+            </a:xfrm>
+          </p:grpSpPr>
+          <mc:AlternateContent xmlns:mc="http://schemas.openxmlformats.org/markup-compatibility/2006">
+            <mc:Choice xmlns:a14="http://schemas.microsoft.com/office/drawing/2010/main" Requires="a14">
+              <p:sp>
+                <p:nvSpPr>
+                  <p:cNvPr id="6" name="Oval 5">
+                    <a:extLst>
+                      <a:ext uri="{FF2B5EF4-FFF2-40B4-BE49-F238E27FC236}">
+                        <a16:creationId xmlns:a16="http://schemas.microsoft.com/office/drawing/2014/main" id="{F745E92C-6E3D-AA45-8664-43592BCB1460}"/>
+                      </a:ext>
+                    </a:extLst>
+                  </p:cNvPr>
+                  <p:cNvSpPr/>
+                  <p:nvPr/>
+                </p:nvSpPr>
+                <p:spPr>
+                  <a:xfrm>
+                    <a:off x="300624" y="1490594"/>
+                    <a:ext cx="1327759" cy="1327759"/>
+                  </a:xfrm>
+                  <a:prstGeom prst="ellipse">
+                    <a:avLst/>
+                  </a:prstGeom>
+                  <a:noFill/>
+                  <a:ln w="28575">
+                    <a:solidFill>
+                      <a:schemeClr val="tx1"/>
+                    </a:solidFill>
+                  </a:ln>
+                </p:spPr>
+                <p:style>
+                  <a:lnRef idx="2">
+                    <a:schemeClr val="accent1">
+                      <a:shade val="50000"/>
+                    </a:schemeClr>
+                  </a:lnRef>
+                  <a:fillRef idx="1">
+                    <a:schemeClr val="accent1"/>
+                  </a:fillRef>
+                  <a:effectRef idx="0">
+                    <a:schemeClr val="accent1"/>
+                  </a:effectRef>
+                  <a:fontRef idx="minor">
+                    <a:schemeClr val="lt1"/>
+                  </a:fontRef>
+                </p:style>
+                <p:txBody>
+                  <a:bodyPr rtlCol="0" anchor="ctr"/>
+                  <a:lstStyle/>
+                  <a:p>
+                    <a:pPr algn="ctr"/>
+                    <a14:m>
+                      <m:oMathPara xmlns:m="http://schemas.openxmlformats.org/officeDocument/2006/math">
+                        <m:oMathParaPr>
+                          <m:jc m:val="centerGroup"/>
+                        </m:oMathParaPr>
+                        <m:oMath xmlns:m="http://schemas.openxmlformats.org/officeDocument/2006/math">
+                          <m:r>
+                            <a:rPr lang="en-US" sz="5400" i="1" smtClean="0">
+                              <a:solidFill>
+                                <a:schemeClr val="tx1"/>
+                              </a:solidFill>
+                              <a:latin typeface="Cambria Math" panose="02040503050406030204" pitchFamily="18" charset="0"/>
+                            </a:rPr>
+                            <m:t> </m:t>
+                          </m:r>
+                          <m:r>
+                            <a:rPr lang="en-US" sz="5400" i="1" smtClean="0">
+                              <a:solidFill>
+                                <a:schemeClr val="tx1"/>
+                              </a:solidFill>
+                              <a:latin typeface="Cambria Math" panose="02040503050406030204" pitchFamily="18" charset="0"/>
+                            </a:rPr>
+                            <m:t>𝑆</m:t>
+                          </m:r>
+                        </m:oMath>
+                      </m:oMathPara>
+                    </a14:m>
+                    <a:endParaRPr lang="en-KR" dirty="0">
+                      <a:solidFill>
+                        <a:schemeClr val="tx1"/>
+                      </a:solidFill>
+                    </a:endParaRPr>
+                  </a:p>
+                </p:txBody>
+              </p:sp>
+            </mc:Choice>
+            <mc:Fallback>
+              <p:sp>
+                <p:nvSpPr>
+                  <p:cNvPr id="6" name="Oval 5">
+                    <a:extLst>
+                      <a:ext uri="{FF2B5EF4-FFF2-40B4-BE49-F238E27FC236}">
+                        <a16:creationId xmlns:a16="http://schemas.microsoft.com/office/drawing/2014/main" id="{F745E92C-6E3D-AA45-8664-43592BCB1460}"/>
+                      </a:ext>
+                    </a:extLst>
+                  </p:cNvPr>
+                  <p:cNvSpPr>
+                    <a:spLocks noRot="1" noChangeAspect="1" noMove="1" noResize="1" noEditPoints="1" noAdjustHandles="1" noChangeArrowheads="1" noChangeShapeType="1" noTextEdit="1"/>
+                  </p:cNvSpPr>
+                  <p:nvPr/>
+                </p:nvSpPr>
+                <p:spPr>
+                  <a:xfrm>
+                    <a:off x="300624" y="1490594"/>
+                    <a:ext cx="1327759" cy="1327759"/>
+                  </a:xfrm>
+                  <a:prstGeom prst="ellipse">
+                    <a:avLst/>
+                  </a:prstGeom>
+                  <a:blipFill>
+                    <a:blip r:embed="rId3"/>
+                    <a:stretch>
+                      <a:fillRect l="-926" b="-3704"/>
+                    </a:stretch>
+                  </a:blipFill>
+                  <a:ln w="28575">
+                    <a:solidFill>
+                      <a:schemeClr val="tx1"/>
+                    </a:solidFill>
+                  </a:ln>
+                </p:spPr>
+                <p:txBody>
+                  <a:bodyPr/>
+                  <a:lstStyle/>
+                  <a:p>
+                    <a:r>
+                      <a:rPr lang="en-KR">
+                        <a:noFill/>
+                      </a:rPr>
+                      <a:t> </a:t>
+                    </a:r>
+                  </a:p>
+                </p:txBody>
+              </p:sp>
+            </mc:Fallback>
+          </mc:AlternateContent>
+          <mc:AlternateContent xmlns:mc="http://schemas.openxmlformats.org/markup-compatibility/2006">
+            <mc:Choice xmlns:a14="http://schemas.microsoft.com/office/drawing/2010/main" Requires="a14">
+              <p:sp>
+                <p:nvSpPr>
+                  <p:cNvPr id="7" name="Oval 6">
+                    <a:extLst>
+                      <a:ext uri="{FF2B5EF4-FFF2-40B4-BE49-F238E27FC236}">
+                        <a16:creationId xmlns:a16="http://schemas.microsoft.com/office/drawing/2014/main" id="{E4F78948-D04C-494A-8E69-C96EA54D6A06}"/>
+                      </a:ext>
+                    </a:extLst>
+                  </p:cNvPr>
+                  <p:cNvSpPr/>
+                  <p:nvPr/>
+                </p:nvSpPr>
+                <p:spPr>
+                  <a:xfrm>
+                    <a:off x="2843407" y="1490594"/>
+                    <a:ext cx="1327759" cy="1327759"/>
+                  </a:xfrm>
+                  <a:prstGeom prst="ellipse">
+                    <a:avLst/>
+                  </a:prstGeom>
+                  <a:noFill/>
+                  <a:ln w="28575">
+                    <a:solidFill>
+                      <a:schemeClr val="tx1"/>
+                    </a:solidFill>
+                  </a:ln>
+                </p:spPr>
+                <p:style>
+                  <a:lnRef idx="2">
+                    <a:schemeClr val="accent1">
+                      <a:shade val="50000"/>
+                    </a:schemeClr>
+                  </a:lnRef>
+                  <a:fillRef idx="1">
+                    <a:schemeClr val="accent1"/>
+                  </a:fillRef>
+                  <a:effectRef idx="0">
+                    <a:schemeClr val="accent1"/>
+                  </a:effectRef>
+                  <a:fontRef idx="minor">
+                    <a:schemeClr val="lt1"/>
+                  </a:fontRef>
+                </p:style>
+                <p:txBody>
+                  <a:bodyPr rtlCol="0" anchor="ctr"/>
+                  <a:lstStyle/>
+                  <a:p>
+                    <a:pPr algn="ctr"/>
+                    <a14:m>
+                      <m:oMathPara xmlns:m="http://schemas.openxmlformats.org/officeDocument/2006/math">
+                        <m:oMathParaPr>
+                          <m:jc m:val="centerGroup"/>
+                        </m:oMathParaPr>
+                        <m:oMath xmlns:m="http://schemas.openxmlformats.org/officeDocument/2006/math">
+                          <m:r>
+                            <a:rPr lang="en-US" sz="5400" i="1" smtClean="0">
+                              <a:solidFill>
+                                <a:schemeClr val="tx1"/>
+                              </a:solidFill>
+                              <a:latin typeface="Cambria Math" panose="02040503050406030204" pitchFamily="18" charset="0"/>
+                            </a:rPr>
+                            <m:t> </m:t>
+                          </m:r>
+                          <m:r>
+                            <a:rPr lang="en-US" sz="5400" i="1" smtClean="0">
+                              <a:solidFill>
+                                <a:schemeClr val="tx1"/>
+                              </a:solidFill>
+                              <a:latin typeface="Cambria Math" panose="02040503050406030204" pitchFamily="18" charset="0"/>
+                            </a:rPr>
+                            <m:t>𝐸</m:t>
+                          </m:r>
+                        </m:oMath>
+                      </m:oMathPara>
+                    </a14:m>
+                    <a:endParaRPr lang="en-KR" dirty="0">
+                      <a:solidFill>
+                        <a:schemeClr val="tx1"/>
+                      </a:solidFill>
+                    </a:endParaRPr>
+                  </a:p>
+                </p:txBody>
+              </p:sp>
+            </mc:Choice>
+            <mc:Fallback>
+              <p:sp>
+                <p:nvSpPr>
+                  <p:cNvPr id="7" name="Oval 6">
+                    <a:extLst>
+                      <a:ext uri="{FF2B5EF4-FFF2-40B4-BE49-F238E27FC236}">
+                        <a16:creationId xmlns:a16="http://schemas.microsoft.com/office/drawing/2014/main" id="{E4F78948-D04C-494A-8E69-C96EA54D6A06}"/>
+                      </a:ext>
+                    </a:extLst>
+                  </p:cNvPr>
+                  <p:cNvSpPr>
+                    <a:spLocks noRot="1" noChangeAspect="1" noMove="1" noResize="1" noEditPoints="1" noAdjustHandles="1" noChangeArrowheads="1" noChangeShapeType="1" noTextEdit="1"/>
+                  </p:cNvSpPr>
+                  <p:nvPr/>
+                </p:nvSpPr>
+                <p:spPr>
+                  <a:xfrm>
+                    <a:off x="2843407" y="1490594"/>
+                    <a:ext cx="1327759" cy="1327759"/>
+                  </a:xfrm>
+                  <a:prstGeom prst="ellipse">
+                    <a:avLst/>
+                  </a:prstGeom>
+                  <a:blipFill>
+                    <a:blip r:embed="rId4"/>
+                    <a:stretch>
+                      <a:fillRect l="-3704" b="-3704"/>
+                    </a:stretch>
+                  </a:blipFill>
+                  <a:ln w="28575">
+                    <a:solidFill>
+                      <a:schemeClr val="tx1"/>
+                    </a:solidFill>
+                  </a:ln>
+                </p:spPr>
+                <p:txBody>
+                  <a:bodyPr/>
+                  <a:lstStyle/>
+                  <a:p>
+                    <a:r>
+                      <a:rPr lang="en-KR">
+                        <a:noFill/>
+                      </a:rPr>
+                      <a:t> </a:t>
+                    </a:r>
+                  </a:p>
+                </p:txBody>
+              </p:sp>
+            </mc:Fallback>
+          </mc:AlternateContent>
+          <mc:AlternateContent xmlns:mc="http://schemas.openxmlformats.org/markup-compatibility/2006">
+            <mc:Choice xmlns:a14="http://schemas.microsoft.com/office/drawing/2010/main" Requires="a14">
+              <p:sp>
+                <p:nvSpPr>
+                  <p:cNvPr id="8" name="Oval 7">
+                    <a:extLst>
+                      <a:ext uri="{FF2B5EF4-FFF2-40B4-BE49-F238E27FC236}">
+                        <a16:creationId xmlns:a16="http://schemas.microsoft.com/office/drawing/2014/main" id="{ED768682-28A7-A847-B458-ACAC1AFC4093}"/>
+                      </a:ext>
+                    </a:extLst>
+                  </p:cNvPr>
+                  <p:cNvSpPr/>
+                  <p:nvPr/>
+                </p:nvSpPr>
+                <p:spPr>
+                  <a:xfrm>
+                    <a:off x="7928973" y="1490593"/>
+                    <a:ext cx="1327759" cy="1327759"/>
+                  </a:xfrm>
+                  <a:prstGeom prst="ellipse">
+                    <a:avLst/>
+                  </a:prstGeom>
+                  <a:noFill/>
+                  <a:ln w="28575">
+                    <a:solidFill>
+                      <a:schemeClr val="tx1"/>
+                    </a:solidFill>
+                  </a:ln>
+                </p:spPr>
+                <p:style>
+                  <a:lnRef idx="2">
+                    <a:schemeClr val="accent1">
+                      <a:shade val="50000"/>
+                    </a:schemeClr>
+                  </a:lnRef>
+                  <a:fillRef idx="1">
+                    <a:schemeClr val="accent1"/>
+                  </a:fillRef>
+                  <a:effectRef idx="0">
+                    <a:schemeClr val="accent1"/>
+                  </a:effectRef>
+                  <a:fontRef idx="minor">
+                    <a:schemeClr val="lt1"/>
+                  </a:fontRef>
+                </p:style>
+                <p:txBody>
+                  <a:bodyPr rtlCol="0" anchor="ctr"/>
+                  <a:lstStyle/>
+                  <a:p>
+                    <a:pPr algn="ctr"/>
+                    <a14:m>
+                      <m:oMathPara xmlns:m="http://schemas.openxmlformats.org/officeDocument/2006/math">
+                        <m:oMathParaPr>
+                          <m:jc m:val="centerGroup"/>
+                        </m:oMathParaPr>
+                        <m:oMath xmlns:m="http://schemas.openxmlformats.org/officeDocument/2006/math">
+                          <m:r>
+                            <a:rPr lang="en-US" sz="5400" i="1" smtClean="0">
+                              <a:solidFill>
+                                <a:schemeClr val="tx1"/>
+                              </a:solidFill>
+                              <a:latin typeface="Cambria Math" panose="02040503050406030204" pitchFamily="18" charset="0"/>
+                            </a:rPr>
+                            <m:t> </m:t>
+                          </m:r>
+                          <m:r>
+                            <a:rPr lang="en-US" sz="5400" i="1" smtClean="0">
+                              <a:solidFill>
+                                <a:schemeClr val="tx1"/>
+                              </a:solidFill>
+                              <a:latin typeface="Cambria Math" panose="02040503050406030204" pitchFamily="18" charset="0"/>
+                            </a:rPr>
+                            <m:t>𝐻</m:t>
+                          </m:r>
+                        </m:oMath>
+                      </m:oMathPara>
+                    </a14:m>
+                    <a:endParaRPr lang="en-KR" dirty="0">
+                      <a:solidFill>
+                        <a:schemeClr val="tx1"/>
+                      </a:solidFill>
+                    </a:endParaRPr>
+                  </a:p>
+                </p:txBody>
+              </p:sp>
+            </mc:Choice>
+            <mc:Fallback>
+              <p:sp>
+                <p:nvSpPr>
+                  <p:cNvPr id="8" name="Oval 7">
+                    <a:extLst>
+                      <a:ext uri="{FF2B5EF4-FFF2-40B4-BE49-F238E27FC236}">
+                        <a16:creationId xmlns:a16="http://schemas.microsoft.com/office/drawing/2014/main" id="{ED768682-28A7-A847-B458-ACAC1AFC4093}"/>
+                      </a:ext>
+                    </a:extLst>
+                  </p:cNvPr>
+                  <p:cNvSpPr>
+                    <a:spLocks noRot="1" noChangeAspect="1" noMove="1" noResize="1" noEditPoints="1" noAdjustHandles="1" noChangeArrowheads="1" noChangeShapeType="1" noTextEdit="1"/>
+                  </p:cNvSpPr>
+                  <p:nvPr/>
+                </p:nvSpPr>
+                <p:spPr>
+                  <a:xfrm>
+                    <a:off x="7928973" y="1490593"/>
+                    <a:ext cx="1327759" cy="1327759"/>
+                  </a:xfrm>
+                  <a:prstGeom prst="ellipse">
+                    <a:avLst/>
+                  </a:prstGeom>
+                  <a:blipFill>
+                    <a:blip r:embed="rId5"/>
+                    <a:stretch>
+                      <a:fillRect l="-6542" b="-3704"/>
+                    </a:stretch>
+                  </a:blipFill>
+                  <a:ln w="28575">
+                    <a:solidFill>
+                      <a:schemeClr val="tx1"/>
+                    </a:solidFill>
+                  </a:ln>
+                </p:spPr>
+                <p:txBody>
+                  <a:bodyPr/>
+                  <a:lstStyle/>
+                  <a:p>
+                    <a:r>
+                      <a:rPr lang="en-KR">
+                        <a:noFill/>
+                      </a:rPr>
+                      <a:t> </a:t>
+                    </a:r>
+                  </a:p>
+                </p:txBody>
+              </p:sp>
+            </mc:Fallback>
+          </mc:AlternateContent>
+          <mc:AlternateContent xmlns:mc="http://schemas.openxmlformats.org/markup-compatibility/2006">
+            <mc:Choice xmlns:a14="http://schemas.microsoft.com/office/drawing/2010/main" Requires="a14">
+              <p:sp>
+                <p:nvSpPr>
+                  <p:cNvPr id="9" name="Oval 8">
+                    <a:extLst>
+                      <a:ext uri="{FF2B5EF4-FFF2-40B4-BE49-F238E27FC236}">
+                        <a16:creationId xmlns:a16="http://schemas.microsoft.com/office/drawing/2014/main" id="{DC5F0BF7-3F5F-0B42-9802-153BA2605ED8}"/>
+                      </a:ext>
+                    </a:extLst>
+                  </p:cNvPr>
+                  <p:cNvSpPr/>
+                  <p:nvPr/>
+                </p:nvSpPr>
+                <p:spPr>
+                  <a:xfrm>
+                    <a:off x="5386190" y="1490593"/>
+                    <a:ext cx="1327759" cy="1327759"/>
+                  </a:xfrm>
+                  <a:prstGeom prst="ellipse">
+                    <a:avLst/>
+                  </a:prstGeom>
+                  <a:noFill/>
+                  <a:ln w="28575">
+                    <a:solidFill>
+                      <a:schemeClr val="tx1"/>
+                    </a:solidFill>
+                  </a:ln>
+                </p:spPr>
+                <p:style>
+                  <a:lnRef idx="2">
+                    <a:schemeClr val="accent1">
+                      <a:shade val="50000"/>
+                    </a:schemeClr>
+                  </a:lnRef>
+                  <a:fillRef idx="1">
+                    <a:schemeClr val="accent1"/>
+                  </a:fillRef>
+                  <a:effectRef idx="0">
+                    <a:schemeClr val="accent1"/>
+                  </a:effectRef>
+                  <a:fontRef idx="minor">
+                    <a:schemeClr val="lt1"/>
+                  </a:fontRef>
+                </p:style>
+                <p:txBody>
+                  <a:bodyPr rtlCol="0" anchor="ctr"/>
+                  <a:lstStyle/>
+                  <a:p>
+                    <a:pPr algn="ctr"/>
+                    <a14:m>
+                      <m:oMathPara xmlns:m="http://schemas.openxmlformats.org/officeDocument/2006/math">
+                        <m:oMathParaPr>
+                          <m:jc m:val="centerGroup"/>
+                        </m:oMathParaPr>
+                        <m:oMath xmlns:m="http://schemas.openxmlformats.org/officeDocument/2006/math">
+                          <m:r>
+                            <a:rPr lang="en-US" sz="5400" i="1" smtClean="0">
+                              <a:solidFill>
+                                <a:schemeClr val="tx1"/>
+                              </a:solidFill>
+                              <a:latin typeface="Cambria Math" panose="02040503050406030204" pitchFamily="18" charset="0"/>
+                            </a:rPr>
+                            <m:t> </m:t>
+                          </m:r>
+                          <m:r>
+                            <a:rPr lang="en-US" sz="5400" i="1" smtClean="0">
+                              <a:solidFill>
+                                <a:schemeClr val="tx1"/>
+                              </a:solidFill>
+                              <a:latin typeface="Cambria Math" panose="02040503050406030204" pitchFamily="18" charset="0"/>
+                            </a:rPr>
+                            <m:t>𝐼</m:t>
+                          </m:r>
+                        </m:oMath>
+                      </m:oMathPara>
+                    </a14:m>
+                    <a:endParaRPr lang="en-KR" dirty="0">
+                      <a:solidFill>
+                        <a:schemeClr val="tx1"/>
+                      </a:solidFill>
+                    </a:endParaRPr>
+                  </a:p>
+                </p:txBody>
+              </p:sp>
+            </mc:Choice>
+            <mc:Fallback>
+              <p:sp>
+                <p:nvSpPr>
+                  <p:cNvPr id="9" name="Oval 8">
+                    <a:extLst>
+                      <a:ext uri="{FF2B5EF4-FFF2-40B4-BE49-F238E27FC236}">
+                        <a16:creationId xmlns:a16="http://schemas.microsoft.com/office/drawing/2014/main" id="{DC5F0BF7-3F5F-0B42-9802-153BA2605ED8}"/>
+                      </a:ext>
+                    </a:extLst>
+                  </p:cNvPr>
+                  <p:cNvSpPr>
+                    <a:spLocks noRot="1" noChangeAspect="1" noMove="1" noResize="1" noEditPoints="1" noAdjustHandles="1" noChangeArrowheads="1" noChangeShapeType="1" noTextEdit="1"/>
+                  </p:cNvSpPr>
+                  <p:nvPr/>
+                </p:nvSpPr>
+                <p:spPr>
+                  <a:xfrm>
+                    <a:off x="5386190" y="1490593"/>
+                    <a:ext cx="1327759" cy="1327759"/>
+                  </a:xfrm>
+                  <a:prstGeom prst="ellipse">
+                    <a:avLst/>
+                  </a:prstGeom>
+                  <a:blipFill>
+                    <a:blip r:embed="rId6"/>
+                    <a:stretch>
+                      <a:fillRect b="-3704"/>
+                    </a:stretch>
+                  </a:blipFill>
+                  <a:ln w="28575">
+                    <a:solidFill>
+                      <a:schemeClr val="tx1"/>
+                    </a:solidFill>
+                  </a:ln>
+                </p:spPr>
+                <p:txBody>
+                  <a:bodyPr/>
+                  <a:lstStyle/>
+                  <a:p>
+                    <a:r>
+                      <a:rPr lang="en-KR">
+                        <a:noFill/>
+                      </a:rPr>
+                      <a:t> </a:t>
+                    </a:r>
+                  </a:p>
+                </p:txBody>
+              </p:sp>
+            </mc:Fallback>
+          </mc:AlternateContent>
+          <mc:AlternateContent xmlns:mc="http://schemas.openxmlformats.org/markup-compatibility/2006">
+            <mc:Choice xmlns:a14="http://schemas.microsoft.com/office/drawing/2010/main" Requires="a14">
+              <p:sp>
+                <p:nvSpPr>
+                  <p:cNvPr id="10" name="Oval 9">
+                    <a:extLst>
+                      <a:ext uri="{FF2B5EF4-FFF2-40B4-BE49-F238E27FC236}">
+                        <a16:creationId xmlns:a16="http://schemas.microsoft.com/office/drawing/2014/main" id="{F72616F3-5E5B-CF46-B05E-0706FE77533C}"/>
+                      </a:ext>
+                    </a:extLst>
+                  </p:cNvPr>
+                  <p:cNvSpPr/>
+                  <p:nvPr/>
+                </p:nvSpPr>
+                <p:spPr>
+                  <a:xfrm>
+                    <a:off x="1304217" y="4293592"/>
+                    <a:ext cx="1327759" cy="1327759"/>
+                  </a:xfrm>
+                  <a:prstGeom prst="ellipse">
+                    <a:avLst/>
+                  </a:prstGeom>
+                  <a:noFill/>
+                  <a:ln w="28575">
+                    <a:solidFill>
+                      <a:schemeClr val="tx1"/>
+                    </a:solidFill>
+                  </a:ln>
+                </p:spPr>
+                <p:style>
+                  <a:lnRef idx="2">
+                    <a:schemeClr val="accent1">
+                      <a:shade val="50000"/>
+                    </a:schemeClr>
+                  </a:lnRef>
+                  <a:fillRef idx="1">
+                    <a:schemeClr val="accent1"/>
+                  </a:fillRef>
+                  <a:effectRef idx="0">
+                    <a:schemeClr val="accent1"/>
+                  </a:effectRef>
+                  <a:fontRef idx="minor">
+                    <a:schemeClr val="lt1"/>
+                  </a:fontRef>
+                </p:style>
+                <p:txBody>
+                  <a:bodyPr rtlCol="0" anchor="ctr"/>
+                  <a:lstStyle/>
+                  <a:p>
+                    <a:pPr algn="ctr"/>
+                    <a14:m>
+                      <m:oMathPara xmlns:m="http://schemas.openxmlformats.org/officeDocument/2006/math">
+                        <m:oMathParaPr>
+                          <m:jc m:val="centerGroup"/>
+                        </m:oMathParaPr>
+                        <m:oMath xmlns:m="http://schemas.openxmlformats.org/officeDocument/2006/math">
+                          <m:r>
+                            <a:rPr lang="en-US" sz="5400" i="1" smtClean="0">
+                              <a:solidFill>
+                                <a:schemeClr val="tx1"/>
+                              </a:solidFill>
+                              <a:latin typeface="Cambria Math" panose="02040503050406030204" pitchFamily="18" charset="0"/>
+                            </a:rPr>
+                            <m:t> </m:t>
+                          </m:r>
+                          <m:sSub>
+                            <m:sSubPr>
+                              <m:ctrlPr>
+                                <a:rPr lang="en-US" sz="5400" b="0" i="1" smtClean="0">
+                                  <a:solidFill>
+                                    <a:schemeClr val="tx1"/>
+                                  </a:solidFill>
+                                  <a:latin typeface="Cambria Math" panose="02040503050406030204" pitchFamily="18" charset="0"/>
+                                </a:rPr>
+                              </m:ctrlPr>
+                            </m:sSubPr>
+                            <m:e>
+                              <m:r>
+                                <a:rPr lang="en-US" sz="5400" i="1" smtClean="0">
+                                  <a:solidFill>
+                                    <a:schemeClr val="tx1"/>
+                                  </a:solidFill>
+                                  <a:latin typeface="Cambria Math" panose="02040503050406030204" pitchFamily="18" charset="0"/>
+                                </a:rPr>
+                                <m:t>𝑉</m:t>
+                              </m:r>
+                            </m:e>
+                            <m:sub>
+                              <m:r>
+                                <a:rPr lang="en-US" sz="5400" b="0" i="1" smtClean="0">
+                                  <a:solidFill>
+                                    <a:schemeClr val="tx1"/>
+                                  </a:solidFill>
+                                  <a:latin typeface="Cambria Math" panose="02040503050406030204" pitchFamily="18" charset="0"/>
+                                </a:rPr>
+                                <m:t>1</m:t>
+                              </m:r>
+                            </m:sub>
+                          </m:sSub>
+                        </m:oMath>
+                      </m:oMathPara>
+                    </a14:m>
+                    <a:endParaRPr lang="en-KR" dirty="0">
+                      <a:solidFill>
+                        <a:schemeClr val="tx1"/>
+                      </a:solidFill>
+                    </a:endParaRPr>
+                  </a:p>
+                </p:txBody>
+              </p:sp>
+            </mc:Choice>
+            <mc:Fallback>
+              <p:sp>
+                <p:nvSpPr>
+                  <p:cNvPr id="10" name="Oval 9">
+                    <a:extLst>
+                      <a:ext uri="{FF2B5EF4-FFF2-40B4-BE49-F238E27FC236}">
+                        <a16:creationId xmlns:a16="http://schemas.microsoft.com/office/drawing/2014/main" id="{F72616F3-5E5B-CF46-B05E-0706FE77533C}"/>
+                      </a:ext>
+                    </a:extLst>
+                  </p:cNvPr>
+                  <p:cNvSpPr>
+                    <a:spLocks noRot="1" noChangeAspect="1" noMove="1" noResize="1" noEditPoints="1" noAdjustHandles="1" noChangeArrowheads="1" noChangeShapeType="1" noTextEdit="1"/>
+                  </p:cNvSpPr>
+                  <p:nvPr/>
+                </p:nvSpPr>
+                <p:spPr>
+                  <a:xfrm>
+                    <a:off x="1304217" y="4293592"/>
+                    <a:ext cx="1327759" cy="1327759"/>
+                  </a:xfrm>
+                  <a:prstGeom prst="ellipse">
+                    <a:avLst/>
+                  </a:prstGeom>
+                  <a:blipFill>
+                    <a:blip r:embed="rId7"/>
+                    <a:stretch>
+                      <a:fillRect l="-11111" b="-3670"/>
+                    </a:stretch>
+                  </a:blipFill>
+                  <a:ln w="28575">
+                    <a:solidFill>
+                      <a:schemeClr val="tx1"/>
+                    </a:solidFill>
+                  </a:ln>
+                </p:spPr>
+                <p:txBody>
+                  <a:bodyPr/>
+                  <a:lstStyle/>
+                  <a:p>
+                    <a:r>
+                      <a:rPr lang="en-KR">
+                        <a:noFill/>
+                      </a:rPr>
+                      <a:t> </a:t>
+                    </a:r>
+                  </a:p>
+                </p:txBody>
+              </p:sp>
+            </mc:Fallback>
+          </mc:AlternateContent>
+          <mc:AlternateContent xmlns:mc="http://schemas.openxmlformats.org/markup-compatibility/2006">
+            <mc:Choice xmlns:a14="http://schemas.microsoft.com/office/drawing/2010/main" Requires="a14">
+              <p:sp>
+                <p:nvSpPr>
+                  <p:cNvPr id="11" name="Oval 10">
+                    <a:extLst>
+                      <a:ext uri="{FF2B5EF4-FFF2-40B4-BE49-F238E27FC236}">
+                        <a16:creationId xmlns:a16="http://schemas.microsoft.com/office/drawing/2014/main" id="{82BFA790-F8AA-A849-AEF7-71A775F71761}"/>
+                      </a:ext>
+                    </a:extLst>
+                  </p:cNvPr>
+                  <p:cNvSpPr/>
+                  <p:nvPr/>
+                </p:nvSpPr>
+                <p:spPr>
+                  <a:xfrm>
+                    <a:off x="10471756" y="1490592"/>
+                    <a:ext cx="1327759" cy="1327759"/>
+                  </a:xfrm>
+                  <a:prstGeom prst="ellipse">
+                    <a:avLst/>
+                  </a:prstGeom>
+                  <a:noFill/>
+                  <a:ln w="28575">
+                    <a:solidFill>
+                      <a:schemeClr val="tx1"/>
+                    </a:solidFill>
+                  </a:ln>
+                </p:spPr>
+                <p:style>
+                  <a:lnRef idx="2">
+                    <a:schemeClr val="accent1">
+                      <a:shade val="50000"/>
+                    </a:schemeClr>
+                  </a:lnRef>
+                  <a:fillRef idx="1">
+                    <a:schemeClr val="accent1"/>
+                  </a:fillRef>
+                  <a:effectRef idx="0">
+                    <a:schemeClr val="accent1"/>
+                  </a:effectRef>
+                  <a:fontRef idx="minor">
+                    <a:schemeClr val="lt1"/>
+                  </a:fontRef>
+                </p:style>
+                <p:txBody>
+                  <a:bodyPr rtlCol="0" anchor="ctr"/>
+                  <a:lstStyle/>
+                  <a:p>
+                    <a:pPr algn="ctr"/>
+                    <a14:m>
+                      <m:oMathPara xmlns:m="http://schemas.openxmlformats.org/officeDocument/2006/math">
+                        <m:oMathParaPr>
+                          <m:jc m:val="centerGroup"/>
+                        </m:oMathParaPr>
+                        <m:oMath xmlns:m="http://schemas.openxmlformats.org/officeDocument/2006/math">
+                          <m:r>
+                            <a:rPr lang="en-US" sz="5400" i="1" smtClean="0">
+                              <a:solidFill>
+                                <a:schemeClr val="tx1"/>
+                              </a:solidFill>
+                              <a:latin typeface="Cambria Math" panose="02040503050406030204" pitchFamily="18" charset="0"/>
+                            </a:rPr>
+                            <m:t> </m:t>
+                          </m:r>
+                          <m:r>
+                            <a:rPr lang="en-US" sz="5400" i="1" smtClean="0">
+                              <a:solidFill>
+                                <a:schemeClr val="tx1"/>
+                              </a:solidFill>
+                              <a:latin typeface="Cambria Math" panose="02040503050406030204" pitchFamily="18" charset="0"/>
+                            </a:rPr>
+                            <m:t>𝑅</m:t>
+                          </m:r>
+                        </m:oMath>
+                      </m:oMathPara>
+                    </a14:m>
+                    <a:endParaRPr lang="en-KR" dirty="0">
+                      <a:solidFill>
+                        <a:schemeClr val="tx1"/>
+                      </a:solidFill>
+                    </a:endParaRPr>
+                  </a:p>
+                </p:txBody>
+              </p:sp>
+            </mc:Choice>
+            <mc:Fallback>
+              <p:sp>
+                <p:nvSpPr>
+                  <p:cNvPr id="11" name="Oval 10">
+                    <a:extLst>
+                      <a:ext uri="{FF2B5EF4-FFF2-40B4-BE49-F238E27FC236}">
+                        <a16:creationId xmlns:a16="http://schemas.microsoft.com/office/drawing/2014/main" id="{82BFA790-F8AA-A849-AEF7-71A775F71761}"/>
+                      </a:ext>
+                    </a:extLst>
+                  </p:cNvPr>
+                  <p:cNvSpPr>
+                    <a:spLocks noRot="1" noChangeAspect="1" noMove="1" noResize="1" noEditPoints="1" noAdjustHandles="1" noChangeArrowheads="1" noChangeShapeType="1" noTextEdit="1"/>
+                  </p:cNvSpPr>
+                  <p:nvPr/>
+                </p:nvSpPr>
+                <p:spPr>
+                  <a:xfrm>
+                    <a:off x="10471756" y="1490592"/>
+                    <a:ext cx="1327759" cy="1327759"/>
+                  </a:xfrm>
+                  <a:prstGeom prst="ellipse">
+                    <a:avLst/>
+                  </a:prstGeom>
+                  <a:blipFill>
+                    <a:blip r:embed="rId8"/>
+                    <a:stretch>
+                      <a:fillRect l="-4673" b="-3704"/>
+                    </a:stretch>
+                  </a:blipFill>
+                  <a:ln w="28575">
+                    <a:solidFill>
+                      <a:schemeClr val="tx1"/>
+                    </a:solidFill>
+                  </a:ln>
+                </p:spPr>
+                <p:txBody>
+                  <a:bodyPr/>
+                  <a:lstStyle/>
+                  <a:p>
+                    <a:r>
+                      <a:rPr lang="en-KR">
+                        <a:noFill/>
+                      </a:rPr>
+                      <a:t> </a:t>
+                    </a:r>
+                  </a:p>
+                </p:txBody>
+              </p:sp>
+            </mc:Fallback>
+          </mc:AlternateContent>
+          <p:cxnSp>
+            <p:nvCxnSpPr>
+              <p:cNvPr id="13" name="Straight Arrow Connector 12">
+                <a:extLst>
+                  <a:ext uri="{FF2B5EF4-FFF2-40B4-BE49-F238E27FC236}">
+                    <a16:creationId xmlns:a16="http://schemas.microsoft.com/office/drawing/2014/main" id="{A0D5EE9C-5B9F-5043-97C7-7055772803BB}"/>
+                  </a:ext>
+                </a:extLst>
+              </p:cNvPr>
+              <p:cNvCxnSpPr>
+                <a:stCxn id="6" idx="6"/>
+                <a:endCxn id="7" idx="2"/>
+              </p:cNvCxnSpPr>
+              <p:nvPr/>
+            </p:nvCxnSpPr>
+            <p:spPr>
+              <a:xfrm>
+                <a:off x="1628383" y="2154474"/>
+                <a:ext cx="1215024" cy="0"/>
+              </a:xfrm>
+              <a:prstGeom prst="straightConnector1">
+                <a:avLst/>
+              </a:prstGeom>
+              <a:ln w="38100">
+                <a:headEnd type="none" w="med" len="med"/>
+                <a:tailEnd type="arrow" w="med" len="med"/>
+              </a:ln>
+            </p:spPr>
+            <p:style>
+              <a:lnRef idx="1">
+                <a:schemeClr val="dk1"/>
+              </a:lnRef>
+              <a:fillRef idx="0">
+                <a:schemeClr val="dk1"/>
+              </a:fillRef>
+              <a:effectRef idx="0">
+                <a:schemeClr val="dk1"/>
+              </a:effectRef>
+              <a:fontRef idx="minor">
+                <a:schemeClr val="tx1"/>
+              </a:fontRef>
+            </p:style>
+          </p:cxnSp>
+          <p:cxnSp>
+            <p:nvCxnSpPr>
+              <p:cNvPr id="14" name="Straight Arrow Connector 13">
+                <a:extLst>
+                  <a:ext uri="{FF2B5EF4-FFF2-40B4-BE49-F238E27FC236}">
+                    <a16:creationId xmlns:a16="http://schemas.microsoft.com/office/drawing/2014/main" id="{A8E28EDF-6826-3A41-B1CB-649B66AA429E}"/>
+                  </a:ext>
+                </a:extLst>
+              </p:cNvPr>
+              <p:cNvCxnSpPr/>
+              <p:nvPr/>
+            </p:nvCxnSpPr>
+            <p:spPr>
+              <a:xfrm>
+                <a:off x="4171166" y="2154474"/>
+                <a:ext cx="1215024" cy="0"/>
+              </a:xfrm>
+              <a:prstGeom prst="straightConnector1">
+                <a:avLst/>
+              </a:prstGeom>
+              <a:ln w="38100">
+                <a:headEnd type="none" w="med" len="med"/>
+                <a:tailEnd type="arrow" w="med" len="med"/>
+              </a:ln>
+            </p:spPr>
+            <p:style>
+              <a:lnRef idx="1">
+                <a:schemeClr val="dk1"/>
+              </a:lnRef>
+              <a:fillRef idx="0">
+                <a:schemeClr val="dk1"/>
+              </a:fillRef>
+              <a:effectRef idx="0">
+                <a:schemeClr val="dk1"/>
+              </a:effectRef>
+              <a:fontRef idx="minor">
+                <a:schemeClr val="tx1"/>
+              </a:fontRef>
+            </p:style>
+          </p:cxnSp>
+          <p:cxnSp>
+            <p:nvCxnSpPr>
+              <p:cNvPr id="15" name="Straight Arrow Connector 14">
+                <a:extLst>
+                  <a:ext uri="{FF2B5EF4-FFF2-40B4-BE49-F238E27FC236}">
+                    <a16:creationId xmlns:a16="http://schemas.microsoft.com/office/drawing/2014/main" id="{7F33EDC9-FDB7-0244-A4F9-CD460F0F9CC3}"/>
+                  </a:ext>
+                </a:extLst>
+              </p:cNvPr>
+              <p:cNvCxnSpPr/>
+              <p:nvPr/>
+            </p:nvCxnSpPr>
+            <p:spPr>
+              <a:xfrm>
+                <a:off x="6713949" y="2154474"/>
+                <a:ext cx="1215024" cy="0"/>
+              </a:xfrm>
+              <a:prstGeom prst="straightConnector1">
+                <a:avLst/>
+              </a:prstGeom>
+              <a:ln w="38100">
+                <a:headEnd type="none" w="med" len="med"/>
+                <a:tailEnd type="arrow" w="med" len="med"/>
+              </a:ln>
+            </p:spPr>
+            <p:style>
+              <a:lnRef idx="1">
+                <a:schemeClr val="dk1"/>
+              </a:lnRef>
+              <a:fillRef idx="0">
+                <a:schemeClr val="dk1"/>
+              </a:fillRef>
+              <a:effectRef idx="0">
+                <a:schemeClr val="dk1"/>
+              </a:effectRef>
+              <a:fontRef idx="minor">
+                <a:schemeClr val="tx1"/>
+              </a:fontRef>
+            </p:style>
+          </p:cxnSp>
+          <p:cxnSp>
+            <p:nvCxnSpPr>
+              <p:cNvPr id="16" name="Straight Arrow Connector 15">
+                <a:extLst>
+                  <a:ext uri="{FF2B5EF4-FFF2-40B4-BE49-F238E27FC236}">
+                    <a16:creationId xmlns:a16="http://schemas.microsoft.com/office/drawing/2014/main" id="{3CC72BAA-7424-7149-8C25-60B1EA64628C}"/>
+                  </a:ext>
+                </a:extLst>
+              </p:cNvPr>
+              <p:cNvCxnSpPr/>
+              <p:nvPr/>
+            </p:nvCxnSpPr>
+            <p:spPr>
+              <a:xfrm>
+                <a:off x="9256732" y="2154474"/>
+                <a:ext cx="1215024" cy="0"/>
+              </a:xfrm>
+              <a:prstGeom prst="straightConnector1">
+                <a:avLst/>
+              </a:prstGeom>
+              <a:ln w="38100">
+                <a:headEnd type="none" w="med" len="med"/>
+                <a:tailEnd type="arrow" w="med" len="med"/>
+              </a:ln>
+            </p:spPr>
+            <p:style>
+              <a:lnRef idx="1">
+                <a:schemeClr val="dk1"/>
+              </a:lnRef>
+              <a:fillRef idx="0">
+                <a:schemeClr val="dk1"/>
+              </a:fillRef>
+              <a:effectRef idx="0">
+                <a:schemeClr val="dk1"/>
+              </a:effectRef>
+              <a:fontRef idx="minor">
+                <a:schemeClr val="tx1"/>
+              </a:fontRef>
+            </p:style>
+          </p:cxnSp>
+          <p:cxnSp>
+            <p:nvCxnSpPr>
+              <p:cNvPr id="18" name="Straight Arrow Connector 17">
+                <a:extLst>
+                  <a:ext uri="{FF2B5EF4-FFF2-40B4-BE49-F238E27FC236}">
+                    <a16:creationId xmlns:a16="http://schemas.microsoft.com/office/drawing/2014/main" id="{51718302-B105-E049-AF03-0198EC68ECB4}"/>
+                  </a:ext>
+                </a:extLst>
+              </p:cNvPr>
+              <p:cNvCxnSpPr>
+                <a:cxnSpLocks/>
+                <a:stCxn id="6" idx="4"/>
+                <a:endCxn id="10" idx="0"/>
+              </p:cNvCxnSpPr>
+              <p:nvPr/>
+            </p:nvCxnSpPr>
+            <p:spPr>
+              <a:xfrm>
+                <a:off x="964504" y="2818353"/>
+                <a:ext cx="1003593" cy="1475239"/>
+              </a:xfrm>
+              <a:prstGeom prst="straightConnector1">
+                <a:avLst/>
+              </a:prstGeom>
+              <a:ln w="38100">
+                <a:solidFill>
+                  <a:schemeClr val="tx1"/>
+                </a:solidFill>
+                <a:headEnd type="none" w="med" len="med"/>
+                <a:tailEnd type="arrow" w="med" len="med"/>
+              </a:ln>
+            </p:spPr>
+            <p:style>
+              <a:lnRef idx="1">
+                <a:schemeClr val="accent1"/>
+              </a:lnRef>
+              <a:fillRef idx="0">
+                <a:schemeClr val="accent1"/>
+              </a:fillRef>
+              <a:effectRef idx="0">
+                <a:schemeClr val="accent1"/>
+              </a:effectRef>
+              <a:fontRef idx="minor">
+                <a:schemeClr val="tx1"/>
+              </a:fontRef>
+            </p:style>
+          </p:cxnSp>
+          <p:cxnSp>
+            <p:nvCxnSpPr>
+              <p:cNvPr id="19" name="Straight Arrow Connector 18">
+                <a:extLst>
+                  <a:ext uri="{FF2B5EF4-FFF2-40B4-BE49-F238E27FC236}">
+                    <a16:creationId xmlns:a16="http://schemas.microsoft.com/office/drawing/2014/main" id="{2F11F36F-9521-5F44-A5F1-40F01550AA89}"/>
+                  </a:ext>
+                </a:extLst>
+              </p:cNvPr>
+              <p:cNvCxnSpPr>
+                <a:cxnSpLocks/>
+                <a:stCxn id="10" idx="0"/>
+                <a:endCxn id="7" idx="4"/>
+              </p:cNvCxnSpPr>
+              <p:nvPr/>
+            </p:nvCxnSpPr>
+            <p:spPr>
+              <a:xfrm flipV="1">
+                <a:off x="1968097" y="2818353"/>
+                <a:ext cx="1539190" cy="1475239"/>
+              </a:xfrm>
+              <a:prstGeom prst="straightConnector1">
+                <a:avLst/>
+              </a:prstGeom>
+              <a:ln w="38100">
+                <a:solidFill>
+                  <a:schemeClr val="tx1"/>
+                </a:solidFill>
+                <a:headEnd type="none" w="med" len="med"/>
+                <a:tailEnd type="arrow" w="med" len="med"/>
+              </a:ln>
+            </p:spPr>
+            <p:style>
+              <a:lnRef idx="1">
+                <a:schemeClr val="accent1"/>
+              </a:lnRef>
+              <a:fillRef idx="0">
+                <a:schemeClr val="accent1"/>
+              </a:fillRef>
+              <a:effectRef idx="0">
+                <a:schemeClr val="accent1"/>
+              </a:effectRef>
+              <a:fontRef idx="minor">
+                <a:schemeClr val="tx1"/>
+              </a:fontRef>
+            </p:style>
+          </p:cxnSp>
+          <mc:AlternateContent xmlns:mc="http://schemas.openxmlformats.org/markup-compatibility/2006" xmlns:a14="http://schemas.microsoft.com/office/drawing/2010/main">
+            <mc:Choice Requires="a14">
+              <p:sp>
+                <p:nvSpPr>
+                  <p:cNvPr id="28" name="TextBox 27">
+                    <a:extLst>
+                      <a:ext uri="{FF2B5EF4-FFF2-40B4-BE49-F238E27FC236}">
+                        <a16:creationId xmlns:a16="http://schemas.microsoft.com/office/drawing/2014/main" id="{6DCD6EE5-43C1-FE4C-8FE0-8D4BE1066164}"/>
+                      </a:ext>
+                    </a:extLst>
+                  </p:cNvPr>
+                  <p:cNvSpPr txBox="1"/>
+                  <p:nvPr/>
+                </p:nvSpPr>
+                <p:spPr>
+                  <a:xfrm>
+                    <a:off x="1968097" y="1508140"/>
+                    <a:ext cx="535595" cy="646331"/>
+                  </a:xfrm>
+                  <a:prstGeom prst="rect">
+                    <a:avLst/>
+                  </a:prstGeom>
+                  <a:noFill/>
+                </p:spPr>
+                <p:txBody>
+                  <a:bodyPr wrap="none" rtlCol="0">
+                    <a:spAutoFit/>
+                  </a:bodyPr>
+                  <a:lstStyle/>
+                  <a:p>
+                    <a:pPr/>
+                    <a14:m>
+                      <m:oMathPara xmlns:m="http://schemas.openxmlformats.org/officeDocument/2006/math">
+                        <m:oMathParaPr>
+                          <m:jc m:val="centerGroup"/>
+                        </m:oMathParaPr>
+                        <m:oMath xmlns:m="http://schemas.openxmlformats.org/officeDocument/2006/math">
+                          <m:r>
+                            <a:rPr lang="en-US" sz="3600" i="1" smtClean="0">
+                              <a:latin typeface="Cambria Math" panose="02040503050406030204" pitchFamily="18" charset="0"/>
+                            </a:rPr>
+                            <m:t>𝜆</m:t>
+                          </m:r>
+                        </m:oMath>
+                      </m:oMathPara>
+                    </a14:m>
+                    <a:endParaRPr lang="en-KR" dirty="0"/>
+                  </a:p>
+                </p:txBody>
+              </p:sp>
+            </mc:Choice>
+            <mc:Fallback xmlns="">
+              <p:sp>
+                <p:nvSpPr>
+                  <p:cNvPr id="28" name="TextBox 27">
+                    <a:extLst>
+                      <a:ext uri="{FF2B5EF4-FFF2-40B4-BE49-F238E27FC236}">
+                        <a16:creationId xmlns:a16="http://schemas.microsoft.com/office/drawing/2014/main" id="{6DCD6EE5-43C1-FE4C-8FE0-8D4BE1066164}"/>
+                      </a:ext>
+                    </a:extLst>
+                  </p:cNvPr>
+                  <p:cNvSpPr txBox="1">
+                    <a:spLocks noRot="1" noChangeAspect="1" noMove="1" noResize="1" noEditPoints="1" noAdjustHandles="1" noChangeArrowheads="1" noChangeShapeType="1" noTextEdit="1"/>
+                  </p:cNvSpPr>
+                  <p:nvPr/>
+                </p:nvSpPr>
+                <p:spPr>
+                  <a:xfrm>
+                    <a:off x="1968097" y="1508140"/>
+                    <a:ext cx="535595" cy="646331"/>
+                  </a:xfrm>
+                  <a:prstGeom prst="rect">
+                    <a:avLst/>
+                  </a:prstGeom>
+                  <a:blipFill>
+                    <a:blip r:embed="rId9"/>
+                    <a:stretch>
+                      <a:fillRect l="-2326" r="-2326"/>
+                    </a:stretch>
+                  </a:blipFill>
+                </p:spPr>
+                <p:txBody>
+                  <a:bodyPr/>
+                  <a:lstStyle/>
+                  <a:p>
+                    <a:r>
+                      <a:rPr lang="en-KR">
+                        <a:noFill/>
+                      </a:rPr>
+                      <a:t> </a:t>
+                    </a:r>
+                  </a:p>
+                </p:txBody>
+              </p:sp>
+            </mc:Fallback>
+          </mc:AlternateContent>
+          <mc:AlternateContent xmlns:mc="http://schemas.openxmlformats.org/markup-compatibility/2006" xmlns:a14="http://schemas.microsoft.com/office/drawing/2010/main">
+            <mc:Choice Requires="a14">
+              <p:sp>
+                <p:nvSpPr>
+                  <p:cNvPr id="29" name="TextBox 28">
+                    <a:extLst>
+                      <a:ext uri="{FF2B5EF4-FFF2-40B4-BE49-F238E27FC236}">
+                        <a16:creationId xmlns:a16="http://schemas.microsoft.com/office/drawing/2014/main" id="{D64B5FE1-3A09-D14B-B0D8-73327A421103}"/>
+                      </a:ext>
+                    </a:extLst>
+                  </p:cNvPr>
+                  <p:cNvSpPr txBox="1"/>
+                  <p:nvPr/>
+                </p:nvSpPr>
+                <p:spPr>
+                  <a:xfrm>
+                    <a:off x="4510880" y="1508140"/>
+                    <a:ext cx="551305" cy="646331"/>
+                  </a:xfrm>
+                  <a:prstGeom prst="rect">
+                    <a:avLst/>
+                  </a:prstGeom>
+                  <a:noFill/>
+                </p:spPr>
+                <p:txBody>
+                  <a:bodyPr wrap="none" rtlCol="0">
+                    <a:spAutoFit/>
+                  </a:bodyPr>
+                  <a:lstStyle/>
+                  <a:p>
+                    <a:pPr/>
+                    <a14:m>
+                      <m:oMathPara xmlns:m="http://schemas.openxmlformats.org/officeDocument/2006/math">
+                        <m:oMathParaPr>
+                          <m:jc m:val="centerGroup"/>
+                        </m:oMathParaPr>
+                        <m:oMath xmlns:m="http://schemas.openxmlformats.org/officeDocument/2006/math">
+                          <m:r>
+                            <a:rPr lang="en-US" sz="3600" i="1" smtClean="0">
+                              <a:latin typeface="Cambria Math" panose="02040503050406030204" pitchFamily="18" charset="0"/>
+                            </a:rPr>
+                            <m:t>𝜅</m:t>
+                          </m:r>
+                        </m:oMath>
+                      </m:oMathPara>
+                    </a14:m>
+                    <a:endParaRPr lang="en-KR" dirty="0"/>
+                  </a:p>
+                </p:txBody>
+              </p:sp>
+            </mc:Choice>
+            <mc:Fallback xmlns="">
+              <p:sp>
+                <p:nvSpPr>
+                  <p:cNvPr id="29" name="TextBox 28">
+                    <a:extLst>
+                      <a:ext uri="{FF2B5EF4-FFF2-40B4-BE49-F238E27FC236}">
+                        <a16:creationId xmlns:a16="http://schemas.microsoft.com/office/drawing/2014/main" id="{D64B5FE1-3A09-D14B-B0D8-73327A421103}"/>
+                      </a:ext>
+                    </a:extLst>
+                  </p:cNvPr>
+                  <p:cNvSpPr txBox="1">
+                    <a:spLocks noRot="1" noChangeAspect="1" noMove="1" noResize="1" noEditPoints="1" noAdjustHandles="1" noChangeArrowheads="1" noChangeShapeType="1" noTextEdit="1"/>
+                  </p:cNvSpPr>
+                  <p:nvPr/>
+                </p:nvSpPr>
+                <p:spPr>
+                  <a:xfrm>
+                    <a:off x="4510880" y="1508140"/>
+                    <a:ext cx="551305" cy="646331"/>
+                  </a:xfrm>
+                  <a:prstGeom prst="rect">
+                    <a:avLst/>
+                  </a:prstGeom>
+                  <a:blipFill>
+                    <a:blip r:embed="rId10"/>
+                    <a:stretch>
+                      <a:fillRect/>
+                    </a:stretch>
+                  </a:blipFill>
+                </p:spPr>
+                <p:txBody>
+                  <a:bodyPr/>
+                  <a:lstStyle/>
+                  <a:p>
+                    <a:r>
+                      <a:rPr lang="en-KR">
+                        <a:noFill/>
+                      </a:rPr>
+                      <a:t> </a:t>
+                    </a:r>
+                  </a:p>
+                </p:txBody>
+              </p:sp>
+            </mc:Fallback>
+          </mc:AlternateContent>
+          <mc:AlternateContent xmlns:mc="http://schemas.openxmlformats.org/markup-compatibility/2006" xmlns:a14="http://schemas.microsoft.com/office/drawing/2010/main">
+            <mc:Choice Requires="a14">
+              <p:sp>
+                <p:nvSpPr>
+                  <p:cNvPr id="30" name="TextBox 29">
+                    <a:extLst>
+                      <a:ext uri="{FF2B5EF4-FFF2-40B4-BE49-F238E27FC236}">
+                        <a16:creationId xmlns:a16="http://schemas.microsoft.com/office/drawing/2014/main" id="{427FA74E-AAA7-0D4A-8481-46707DF2D70F}"/>
+                      </a:ext>
+                    </a:extLst>
+                  </p:cNvPr>
+                  <p:cNvSpPr txBox="1"/>
+                  <p:nvPr/>
+                </p:nvSpPr>
+                <p:spPr>
+                  <a:xfrm>
+                    <a:off x="7053663" y="1508140"/>
+                    <a:ext cx="580159" cy="646331"/>
+                  </a:xfrm>
+                  <a:prstGeom prst="rect">
+                    <a:avLst/>
+                  </a:prstGeom>
+                  <a:noFill/>
+                </p:spPr>
+                <p:txBody>
+                  <a:bodyPr wrap="none" rtlCol="0">
+                    <a:spAutoFit/>
+                  </a:bodyPr>
+                  <a:lstStyle/>
+                  <a:p>
+                    <a:pPr/>
+                    <a14:m>
+                      <m:oMathPara xmlns:m="http://schemas.openxmlformats.org/officeDocument/2006/math">
+                        <m:oMathParaPr>
+                          <m:jc m:val="centerGroup"/>
+                        </m:oMathParaPr>
+                        <m:oMath xmlns:m="http://schemas.openxmlformats.org/officeDocument/2006/math">
+                          <m:r>
+                            <a:rPr lang="en-US" sz="3600" i="1" smtClean="0">
+                              <a:latin typeface="Cambria Math" panose="02040503050406030204" pitchFamily="18" charset="0"/>
+                            </a:rPr>
+                            <m:t>𝛼</m:t>
+                          </m:r>
+                        </m:oMath>
+                      </m:oMathPara>
+                    </a14:m>
+                    <a:endParaRPr lang="en-KR" dirty="0"/>
+                  </a:p>
+                </p:txBody>
+              </p:sp>
+            </mc:Choice>
+            <mc:Fallback xmlns="">
+              <p:sp>
+                <p:nvSpPr>
+                  <p:cNvPr id="30" name="TextBox 29">
+                    <a:extLst>
+                      <a:ext uri="{FF2B5EF4-FFF2-40B4-BE49-F238E27FC236}">
+                        <a16:creationId xmlns:a16="http://schemas.microsoft.com/office/drawing/2014/main" id="{427FA74E-AAA7-0D4A-8481-46707DF2D70F}"/>
+                      </a:ext>
+                    </a:extLst>
+                  </p:cNvPr>
+                  <p:cNvSpPr txBox="1">
+                    <a:spLocks noRot="1" noChangeAspect="1" noMove="1" noResize="1" noEditPoints="1" noAdjustHandles="1" noChangeArrowheads="1" noChangeShapeType="1" noTextEdit="1"/>
+                  </p:cNvSpPr>
+                  <p:nvPr/>
+                </p:nvSpPr>
+                <p:spPr>
+                  <a:xfrm>
+                    <a:off x="7053663" y="1508140"/>
+                    <a:ext cx="580159" cy="646331"/>
+                  </a:xfrm>
+                  <a:prstGeom prst="rect">
+                    <a:avLst/>
+                  </a:prstGeom>
+                  <a:blipFill>
+                    <a:blip r:embed="rId11"/>
+                    <a:stretch>
+                      <a:fillRect/>
+                    </a:stretch>
+                  </a:blipFill>
+                </p:spPr>
+                <p:txBody>
+                  <a:bodyPr/>
+                  <a:lstStyle/>
+                  <a:p>
+                    <a:r>
+                      <a:rPr lang="en-KR">
+                        <a:noFill/>
+                      </a:rPr>
+                      <a:t> </a:t>
+                    </a:r>
+                  </a:p>
+                </p:txBody>
+              </p:sp>
+            </mc:Fallback>
+          </mc:AlternateContent>
+          <mc:AlternateContent xmlns:mc="http://schemas.openxmlformats.org/markup-compatibility/2006" xmlns:a14="http://schemas.microsoft.com/office/drawing/2010/main">
+            <mc:Choice Requires="a14">
+              <p:sp>
+                <p:nvSpPr>
+                  <p:cNvPr id="31" name="TextBox 30">
+                    <a:extLst>
+                      <a:ext uri="{FF2B5EF4-FFF2-40B4-BE49-F238E27FC236}">
+                        <a16:creationId xmlns:a16="http://schemas.microsoft.com/office/drawing/2014/main" id="{4D066E84-DACA-7941-BA29-86B2E4B54920}"/>
+                      </a:ext>
+                    </a:extLst>
+                  </p:cNvPr>
+                  <p:cNvSpPr txBox="1"/>
+                  <p:nvPr/>
+                </p:nvSpPr>
+                <p:spPr>
+                  <a:xfrm>
+                    <a:off x="9596446" y="1508140"/>
+                    <a:ext cx="543290" cy="646331"/>
+                  </a:xfrm>
+                  <a:prstGeom prst="rect">
+                    <a:avLst/>
+                  </a:prstGeom>
+                  <a:noFill/>
+                </p:spPr>
+                <p:txBody>
+                  <a:bodyPr wrap="none" rtlCol="0">
+                    <a:spAutoFit/>
+                  </a:bodyPr>
+                  <a:lstStyle/>
+                  <a:p>
+                    <a:pPr/>
+                    <a14:m>
+                      <m:oMathPara xmlns:m="http://schemas.openxmlformats.org/officeDocument/2006/math">
+                        <m:oMathParaPr>
+                          <m:jc m:val="centerGroup"/>
+                        </m:oMathParaPr>
+                        <m:oMath xmlns:m="http://schemas.openxmlformats.org/officeDocument/2006/math">
+                          <m:r>
+                            <a:rPr lang="en-US" sz="3600" i="1" smtClean="0">
+                              <a:latin typeface="Cambria Math" panose="02040503050406030204" pitchFamily="18" charset="0"/>
+                            </a:rPr>
+                            <m:t>𝛾</m:t>
+                          </m:r>
+                        </m:oMath>
+                      </m:oMathPara>
+                    </a14:m>
+                    <a:endParaRPr lang="en-KR" dirty="0"/>
+                  </a:p>
+                </p:txBody>
+              </p:sp>
+            </mc:Choice>
+            <mc:Fallback xmlns="">
+              <p:sp>
+                <p:nvSpPr>
+                  <p:cNvPr id="31" name="TextBox 30">
+                    <a:extLst>
+                      <a:ext uri="{FF2B5EF4-FFF2-40B4-BE49-F238E27FC236}">
+                        <a16:creationId xmlns:a16="http://schemas.microsoft.com/office/drawing/2014/main" id="{4D066E84-DACA-7941-BA29-86B2E4B54920}"/>
+                      </a:ext>
+                    </a:extLst>
+                  </p:cNvPr>
+                  <p:cNvSpPr txBox="1">
+                    <a:spLocks noRot="1" noChangeAspect="1" noMove="1" noResize="1" noEditPoints="1" noAdjustHandles="1" noChangeArrowheads="1" noChangeShapeType="1" noTextEdit="1"/>
+                  </p:cNvSpPr>
+                  <p:nvPr/>
+                </p:nvSpPr>
+                <p:spPr>
+                  <a:xfrm>
+                    <a:off x="9596446" y="1508140"/>
+                    <a:ext cx="543290" cy="646331"/>
+                  </a:xfrm>
+                  <a:prstGeom prst="rect">
+                    <a:avLst/>
+                  </a:prstGeom>
+                  <a:blipFill>
+                    <a:blip r:embed="rId12"/>
+                    <a:stretch>
+                      <a:fillRect b="-11538"/>
+                    </a:stretch>
+                  </a:blipFill>
+                </p:spPr>
+                <p:txBody>
+                  <a:bodyPr/>
+                  <a:lstStyle/>
+                  <a:p>
+                    <a:r>
+                      <a:rPr lang="en-KR">
+                        <a:noFill/>
+                      </a:rPr>
+                      <a:t> </a:t>
+                    </a:r>
+                  </a:p>
+                </p:txBody>
+              </p:sp>
+            </mc:Fallback>
+          </mc:AlternateContent>
+          <mc:AlternateContent xmlns:mc="http://schemas.openxmlformats.org/markup-compatibility/2006" xmlns:a14="http://schemas.microsoft.com/office/drawing/2010/main">
+            <mc:Choice Requires="a14">
+              <p:sp>
+                <p:nvSpPr>
+                  <p:cNvPr id="33" name="TextBox 32">
+                    <a:extLst>
+                      <a:ext uri="{FF2B5EF4-FFF2-40B4-BE49-F238E27FC236}">
+                        <a16:creationId xmlns:a16="http://schemas.microsoft.com/office/drawing/2014/main" id="{689CB96A-7B0D-3D4C-8010-4A06FFC83F73}"/>
+                      </a:ext>
+                    </a:extLst>
+                  </p:cNvPr>
+                  <p:cNvSpPr txBox="1"/>
+                  <p:nvPr/>
+                </p:nvSpPr>
+                <p:spPr>
+                  <a:xfrm rot="18972540">
+                    <a:off x="1649195" y="3148065"/>
+                    <a:ext cx="1708994" cy="523220"/>
+                  </a:xfrm>
+                  <a:prstGeom prst="rect">
+                    <a:avLst/>
+                  </a:prstGeom>
+                  <a:noFill/>
+                </p:spPr>
+                <p:txBody>
+                  <a:bodyPr wrap="none" rtlCol="0">
+                    <a:spAutoFit/>
+                  </a:bodyPr>
+                  <a:lstStyle/>
+                  <a:p>
+                    <a:pPr/>
+                    <a14:m>
+                      <m:oMathPara xmlns:m="http://schemas.openxmlformats.org/officeDocument/2006/math">
+                        <m:oMathParaPr>
+                          <m:jc m:val="centerGroup"/>
+                        </m:oMathParaPr>
+                        <m:oMath xmlns:m="http://schemas.openxmlformats.org/officeDocument/2006/math">
+                          <m:r>
+                            <a:rPr lang="en-US" sz="2800" b="0" i="1" smtClean="0">
+                              <a:latin typeface="Cambria Math" panose="02040503050406030204" pitchFamily="18" charset="0"/>
+                            </a:rPr>
+                            <m:t>(1−</m:t>
+                          </m:r>
+                          <m:sSub>
+                            <m:sSubPr>
+                              <m:ctrlPr>
+                                <a:rPr lang="en-US" sz="2800" b="0" i="1" smtClean="0">
+                                  <a:latin typeface="Cambria Math" panose="02040503050406030204" pitchFamily="18" charset="0"/>
+                                </a:rPr>
+                              </m:ctrlPr>
+                            </m:sSubPr>
+                            <m:e>
+                              <m:r>
+                                <a:rPr lang="en-US" sz="2800" b="0" i="1" smtClean="0">
+                                  <a:latin typeface="Cambria Math" panose="02040503050406030204" pitchFamily="18" charset="0"/>
+                                </a:rPr>
+                                <m:t>𝑒</m:t>
+                              </m:r>
+                            </m:e>
+                            <m:sub>
+                              <m:r>
+                                <a:rPr lang="en-US" sz="2800" b="0" i="1" smtClean="0">
+                                  <a:latin typeface="Cambria Math" panose="02040503050406030204" pitchFamily="18" charset="0"/>
+                                </a:rPr>
+                                <m:t>1</m:t>
+                              </m:r>
+                            </m:sub>
+                          </m:sSub>
+                          <m:r>
+                            <a:rPr lang="en-US" sz="2800" b="0" i="1" smtClean="0">
+                              <a:latin typeface="Cambria Math" panose="02040503050406030204" pitchFamily="18" charset="0"/>
+                            </a:rPr>
+                            <m:t>)</m:t>
+                          </m:r>
+                          <m:r>
+                            <a:rPr lang="en-US" sz="2800" i="1" smtClean="0">
+                              <a:latin typeface="Cambria Math" panose="02040503050406030204" pitchFamily="18" charset="0"/>
+                            </a:rPr>
+                            <m:t>𝜆</m:t>
+                          </m:r>
+                        </m:oMath>
+                      </m:oMathPara>
+                    </a14:m>
+                    <a:endParaRPr lang="en-KR" sz="1400" dirty="0"/>
+                  </a:p>
+                </p:txBody>
+              </p:sp>
+            </mc:Choice>
+            <mc:Fallback xmlns="">
+              <p:sp>
+                <p:nvSpPr>
+                  <p:cNvPr id="33" name="TextBox 32">
+                    <a:extLst>
+                      <a:ext uri="{FF2B5EF4-FFF2-40B4-BE49-F238E27FC236}">
+                        <a16:creationId xmlns:a16="http://schemas.microsoft.com/office/drawing/2014/main" id="{689CB96A-7B0D-3D4C-8010-4A06FFC83F73}"/>
+                      </a:ext>
+                    </a:extLst>
+                  </p:cNvPr>
+                  <p:cNvSpPr txBox="1">
+                    <a:spLocks noRot="1" noChangeAspect="1" noMove="1" noResize="1" noEditPoints="1" noAdjustHandles="1" noChangeArrowheads="1" noChangeShapeType="1" noTextEdit="1"/>
+                  </p:cNvSpPr>
+                  <p:nvPr/>
+                </p:nvSpPr>
+                <p:spPr>
+                  <a:xfrm rot="18972540">
+                    <a:off x="1649195" y="3148065"/>
+                    <a:ext cx="1708994" cy="523220"/>
+                  </a:xfrm>
+                  <a:prstGeom prst="rect">
+                    <a:avLst/>
+                  </a:prstGeom>
+                  <a:blipFill>
+                    <a:blip r:embed="rId13"/>
+                    <a:stretch>
+                      <a:fillRect b="-4800"/>
+                    </a:stretch>
+                  </a:blipFill>
+                </p:spPr>
+                <p:txBody>
+                  <a:bodyPr/>
+                  <a:lstStyle/>
+                  <a:p>
+                    <a:r>
+                      <a:rPr lang="en-KR">
+                        <a:noFill/>
+                      </a:rPr>
+                      <a:t> </a:t>
+                    </a:r>
+                  </a:p>
+                </p:txBody>
+              </p:sp>
+            </mc:Fallback>
+          </mc:AlternateContent>
+          <p:sp>
+            <p:nvSpPr>
+              <p:cNvPr id="34" name="TextBox 33">
+                <a:extLst>
+                  <a:ext uri="{FF2B5EF4-FFF2-40B4-BE49-F238E27FC236}">
+                    <a16:creationId xmlns:a16="http://schemas.microsoft.com/office/drawing/2014/main" id="{10DB767E-2A35-454C-93CD-0E0509A2B2EF}"/>
+                  </a:ext>
+                </a:extLst>
+              </p:cNvPr>
+              <p:cNvSpPr txBox="1"/>
+              <p:nvPr/>
+            </p:nvSpPr>
+            <p:spPr>
+              <a:xfrm>
+                <a:off x="1978822" y="5348989"/>
+                <a:ext cx="2789130" cy="830997"/>
+              </a:xfrm>
+              <a:prstGeom prst="rect">
+                <a:avLst/>
+              </a:prstGeom>
+              <a:noFill/>
+            </p:spPr>
+            <p:txBody>
+              <a:bodyPr wrap="square" rtlCol="0">
+                <a:spAutoFit/>
+              </a:bodyPr>
+              <a:lstStyle/>
+              <a:p>
+                <a:pPr algn="ctr"/>
+                <a:r>
+                  <a:rPr lang="en-KR" sz="2400" dirty="0"/>
+                  <a:t># of vaccinated</a:t>
+                </a:r>
+              </a:p>
+              <a:p>
+                <a:pPr algn="ctr"/>
+                <a:r>
+                  <a:rPr lang="en-KR" sz="2400" dirty="0"/>
+                  <a:t>(2nd dose)</a:t>
+                </a:r>
+              </a:p>
+            </p:txBody>
+          </p:sp>
+          <p:sp>
+            <p:nvSpPr>
+              <p:cNvPr id="35" name="TextBox 34">
+                <a:extLst>
+                  <a:ext uri="{FF2B5EF4-FFF2-40B4-BE49-F238E27FC236}">
+                    <a16:creationId xmlns:a16="http://schemas.microsoft.com/office/drawing/2014/main" id="{699C5E0F-03EB-E84E-AE79-9E3BDE7E1582}"/>
+                  </a:ext>
+                </a:extLst>
+              </p:cNvPr>
+              <p:cNvSpPr txBox="1"/>
+              <p:nvPr/>
+            </p:nvSpPr>
+            <p:spPr>
+              <a:xfrm>
+                <a:off x="-697786" y="3303315"/>
+                <a:ext cx="2067104" cy="830997"/>
+              </a:xfrm>
+              <a:prstGeom prst="rect">
+                <a:avLst/>
+              </a:prstGeom>
+              <a:noFill/>
+            </p:spPr>
+            <p:txBody>
+              <a:bodyPr wrap="none" rtlCol="0">
+                <a:spAutoFit/>
+              </a:bodyPr>
+              <a:lstStyle/>
+              <a:p>
+                <a:pPr algn="ctr"/>
+                <a:r>
+                  <a:rPr lang="en-KR" sz="2400" dirty="0"/>
+                  <a:t># of vaccinated</a:t>
+                </a:r>
+              </a:p>
+              <a:p>
+                <a:pPr algn="ctr"/>
+                <a:r>
+                  <a:rPr lang="en-KR" sz="2400" dirty="0"/>
+                  <a:t>(1st dose)</a:t>
+                </a:r>
+              </a:p>
+            </p:txBody>
+          </p:sp>
+        </p:grpSp>
+        <mc:AlternateContent xmlns:mc="http://schemas.openxmlformats.org/markup-compatibility/2006">
+          <mc:Choice xmlns:a14="http://schemas.microsoft.com/office/drawing/2010/main" Requires="a14">
             <p:sp>
               <p:nvSpPr>
-                <p:cNvPr id="6" name="Oval 5">
+                <p:cNvPr id="26" name="Oval 25">
                   <a:extLst>
                     <a:ext uri="{FF2B5EF4-FFF2-40B4-BE49-F238E27FC236}">
-                      <a16:creationId xmlns:a16="http://schemas.microsoft.com/office/drawing/2014/main" id="{F745E92C-6E3D-AA45-8664-43592BCB1460}"/>
+                      <a16:creationId xmlns:a16="http://schemas.microsoft.com/office/drawing/2014/main" id="{F005AAA1-C6D0-FC43-8552-52F2F94ADFEC}"/>
                     </a:ext>
                   </a:extLst>
                 </p:cNvPr>
@@ -3383,7 +5542,7 @@
               </p:nvSpPr>
               <p:spPr>
                 <a:xfrm>
-                  <a:off x="300624" y="1490594"/>
+                  <a:off x="4272453" y="4293592"/>
                   <a:ext cx="1327759" cy="1327759"/>
                 </a:xfrm>
                 <a:prstGeom prst="ellipse">
@@ -3432,15 +5591,40 @@
                           </a:rPr>
                           <m:t> </m:t>
                         </m:r>
-                        <m:r>
-                          <a:rPr lang="en-US" sz="5400" i="1" smtClean="0">
-                            <a:solidFill>
-                              <a:schemeClr val="tx1"/>
-                            </a:solidFill>
-                            <a:latin typeface="Cambria Math" panose="02040503050406030204" pitchFamily="18" charset="0"/>
-                          </a:rPr>
-                          <m:t>𝑆</m:t>
-                        </m:r>
+                        <m:sSub>
+                          <m:sSubPr>
+                            <m:ctrlPr>
+                              <a:rPr lang="en-US" sz="5400" b="0" i="1" smtClean="0">
+                                <a:solidFill>
+                                  <a:schemeClr val="tx1"/>
+                                </a:solidFill>
+                                <a:latin typeface="Cambria Math" panose="02040503050406030204" pitchFamily="18" charset="0"/>
+                              </a:rPr>
+                            </m:ctrlPr>
+                          </m:sSubPr>
+                          <m:e>
+                            <m:r>
+                              <a:rPr lang="en-US" sz="5400" i="1" smtClean="0">
+                                <a:solidFill>
+                                  <a:schemeClr val="tx1"/>
+                                </a:solidFill>
+                                <a:latin typeface="Cambria Math" panose="02040503050406030204" pitchFamily="18" charset="0"/>
+                              </a:rPr>
+                              <m:t>𝑉</m:t>
+                            </m:r>
+                          </m:e>
+                          <m:sub>
+                            <m:r>
+                              <a:rPr lang="en-US" sz="5400" b="0" i="1" smtClean="0">
+                                <a:solidFill>
+                                  <a:schemeClr val="tx1"/>
+                                </a:solidFill>
+                                <a:latin typeface="Cambria Math" panose="02040503050406030204" pitchFamily="18" charset="0"/>
+                              </a:rPr>
+                              <m:t>2</m:t>
+                            </m:r>
+                          </m:sub>
+                        </m:sSub>
                       </m:oMath>
                     </m:oMathPara>
                   </a14:m>
@@ -3453,13 +5637,13 @@
               </p:txBody>
             </p:sp>
           </mc:Choice>
-          <mc:Fallback xmlns="">
+          <mc:Fallback>
             <p:sp>
               <p:nvSpPr>
-                <p:cNvPr id="6" name="Oval 5">
+                <p:cNvPr id="26" name="Oval 25">
                   <a:extLst>
                     <a:ext uri="{FF2B5EF4-FFF2-40B4-BE49-F238E27FC236}">
-                      <a16:creationId xmlns:a16="http://schemas.microsoft.com/office/drawing/2014/main" id="{F745E92C-6E3D-AA45-8664-43592BCB1460}"/>
+                      <a16:creationId xmlns:a16="http://schemas.microsoft.com/office/drawing/2014/main" id="{F005AAA1-C6D0-FC43-8552-52F2F94ADFEC}"/>
                     </a:ext>
                   </a:extLst>
                 </p:cNvPr>
@@ -3470,696 +5654,16 @@
               </p:nvSpPr>
               <p:spPr>
                 <a:xfrm>
-                  <a:off x="300624" y="1490594"/>
+                  <a:off x="4272453" y="4293592"/>
                   <a:ext cx="1327759" cy="1327759"/>
                 </a:xfrm>
                 <a:prstGeom prst="ellipse">
                   <a:avLst/>
                 </a:prstGeom>
                 <a:blipFill>
-                  <a:blip r:embed="rId2"/>
+                  <a:blip r:embed="rId14"/>
                   <a:stretch>
-                    <a:fillRect l="-926" b="-3704"/>
-                  </a:stretch>
-                </a:blipFill>
-                <a:ln w="28575">
-                  <a:solidFill>
-                    <a:schemeClr val="tx1"/>
-                  </a:solidFill>
-                </a:ln>
-              </p:spPr>
-              <p:txBody>
-                <a:bodyPr/>
-                <a:lstStyle/>
-                <a:p>
-                  <a:r>
-                    <a:rPr lang="en-KR">
-                      <a:noFill/>
-                    </a:rPr>
-                    <a:t> </a:t>
-                  </a:r>
-                </a:p>
-              </p:txBody>
-            </p:sp>
-          </mc:Fallback>
-        </mc:AlternateContent>
-        <mc:AlternateContent xmlns:mc="http://schemas.openxmlformats.org/markup-compatibility/2006" xmlns:a14="http://schemas.microsoft.com/office/drawing/2010/main">
-          <mc:Choice Requires="a14">
-            <p:sp>
-              <p:nvSpPr>
-                <p:cNvPr id="7" name="Oval 6">
-                  <a:extLst>
-                    <a:ext uri="{FF2B5EF4-FFF2-40B4-BE49-F238E27FC236}">
-                      <a16:creationId xmlns:a16="http://schemas.microsoft.com/office/drawing/2014/main" id="{E4F78948-D04C-494A-8E69-C96EA54D6A06}"/>
-                    </a:ext>
-                  </a:extLst>
-                </p:cNvPr>
-                <p:cNvSpPr/>
-                <p:nvPr/>
-              </p:nvSpPr>
-              <p:spPr>
-                <a:xfrm>
-                  <a:off x="2843407" y="1490594"/>
-                  <a:ext cx="1327759" cy="1327759"/>
-                </a:xfrm>
-                <a:prstGeom prst="ellipse">
-                  <a:avLst/>
-                </a:prstGeom>
-                <a:noFill/>
-                <a:ln w="28575">
-                  <a:solidFill>
-                    <a:schemeClr val="tx1"/>
-                  </a:solidFill>
-                </a:ln>
-              </p:spPr>
-              <p:style>
-                <a:lnRef idx="2">
-                  <a:schemeClr val="accent1">
-                    <a:shade val="50000"/>
-                  </a:schemeClr>
-                </a:lnRef>
-                <a:fillRef idx="1">
-                  <a:schemeClr val="accent1"/>
-                </a:fillRef>
-                <a:effectRef idx="0">
-                  <a:schemeClr val="accent1"/>
-                </a:effectRef>
-                <a:fontRef idx="minor">
-                  <a:schemeClr val="lt1"/>
-                </a:fontRef>
-              </p:style>
-              <p:txBody>
-                <a:bodyPr rtlCol="0" anchor="ctr"/>
-                <a:lstStyle/>
-                <a:p>
-                  <a:pPr algn="ctr"/>
-                  <a14:m>
-                    <m:oMathPara xmlns:m="http://schemas.openxmlformats.org/officeDocument/2006/math">
-                      <m:oMathParaPr>
-                        <m:jc m:val="centerGroup"/>
-                      </m:oMathParaPr>
-                      <m:oMath xmlns:m="http://schemas.openxmlformats.org/officeDocument/2006/math">
-                        <m:r>
-                          <a:rPr lang="en-US" sz="5400" i="1" smtClean="0">
-                            <a:solidFill>
-                              <a:schemeClr val="tx1"/>
-                            </a:solidFill>
-                            <a:latin typeface="Cambria Math" panose="02040503050406030204" pitchFamily="18" charset="0"/>
-                          </a:rPr>
-                          <m:t> </m:t>
-                        </m:r>
-                        <m:r>
-                          <a:rPr lang="en-US" sz="5400" i="1" smtClean="0">
-                            <a:solidFill>
-                              <a:schemeClr val="tx1"/>
-                            </a:solidFill>
-                            <a:latin typeface="Cambria Math" panose="02040503050406030204" pitchFamily="18" charset="0"/>
-                          </a:rPr>
-                          <m:t>𝐸</m:t>
-                        </m:r>
-                      </m:oMath>
-                    </m:oMathPara>
-                  </a14:m>
-                  <a:endParaRPr lang="en-KR" dirty="0">
-                    <a:solidFill>
-                      <a:schemeClr val="tx1"/>
-                    </a:solidFill>
-                  </a:endParaRPr>
-                </a:p>
-              </p:txBody>
-            </p:sp>
-          </mc:Choice>
-          <mc:Fallback xmlns="">
-            <p:sp>
-              <p:nvSpPr>
-                <p:cNvPr id="7" name="Oval 6">
-                  <a:extLst>
-                    <a:ext uri="{FF2B5EF4-FFF2-40B4-BE49-F238E27FC236}">
-                      <a16:creationId xmlns:a16="http://schemas.microsoft.com/office/drawing/2014/main" id="{E4F78948-D04C-494A-8E69-C96EA54D6A06}"/>
-                    </a:ext>
-                  </a:extLst>
-                </p:cNvPr>
-                <p:cNvSpPr>
-                  <a:spLocks noRot="1" noChangeAspect="1" noMove="1" noResize="1" noEditPoints="1" noAdjustHandles="1" noChangeArrowheads="1" noChangeShapeType="1" noTextEdit="1"/>
-                </p:cNvSpPr>
-                <p:nvPr/>
-              </p:nvSpPr>
-              <p:spPr>
-                <a:xfrm>
-                  <a:off x="2843407" y="1490594"/>
-                  <a:ext cx="1327759" cy="1327759"/>
-                </a:xfrm>
-                <a:prstGeom prst="ellipse">
-                  <a:avLst/>
-                </a:prstGeom>
-                <a:blipFill>
-                  <a:blip r:embed="rId3"/>
-                  <a:stretch>
-                    <a:fillRect l="-3704" b="-3704"/>
-                  </a:stretch>
-                </a:blipFill>
-                <a:ln w="28575">
-                  <a:solidFill>
-                    <a:schemeClr val="tx1"/>
-                  </a:solidFill>
-                </a:ln>
-              </p:spPr>
-              <p:txBody>
-                <a:bodyPr/>
-                <a:lstStyle/>
-                <a:p>
-                  <a:r>
-                    <a:rPr lang="en-KR">
-                      <a:noFill/>
-                    </a:rPr>
-                    <a:t> </a:t>
-                  </a:r>
-                </a:p>
-              </p:txBody>
-            </p:sp>
-          </mc:Fallback>
-        </mc:AlternateContent>
-        <mc:AlternateContent xmlns:mc="http://schemas.openxmlformats.org/markup-compatibility/2006" xmlns:a14="http://schemas.microsoft.com/office/drawing/2010/main">
-          <mc:Choice Requires="a14">
-            <p:sp>
-              <p:nvSpPr>
-                <p:cNvPr id="8" name="Oval 7">
-                  <a:extLst>
-                    <a:ext uri="{FF2B5EF4-FFF2-40B4-BE49-F238E27FC236}">
-                      <a16:creationId xmlns:a16="http://schemas.microsoft.com/office/drawing/2014/main" id="{ED768682-28A7-A847-B458-ACAC1AFC4093}"/>
-                    </a:ext>
-                  </a:extLst>
-                </p:cNvPr>
-                <p:cNvSpPr/>
-                <p:nvPr/>
-              </p:nvSpPr>
-              <p:spPr>
-                <a:xfrm>
-                  <a:off x="7928973" y="1490593"/>
-                  <a:ext cx="1327759" cy="1327759"/>
-                </a:xfrm>
-                <a:prstGeom prst="ellipse">
-                  <a:avLst/>
-                </a:prstGeom>
-                <a:noFill/>
-                <a:ln w="28575">
-                  <a:solidFill>
-                    <a:schemeClr val="tx1"/>
-                  </a:solidFill>
-                </a:ln>
-              </p:spPr>
-              <p:style>
-                <a:lnRef idx="2">
-                  <a:schemeClr val="accent1">
-                    <a:shade val="50000"/>
-                  </a:schemeClr>
-                </a:lnRef>
-                <a:fillRef idx="1">
-                  <a:schemeClr val="accent1"/>
-                </a:fillRef>
-                <a:effectRef idx="0">
-                  <a:schemeClr val="accent1"/>
-                </a:effectRef>
-                <a:fontRef idx="minor">
-                  <a:schemeClr val="lt1"/>
-                </a:fontRef>
-              </p:style>
-              <p:txBody>
-                <a:bodyPr rtlCol="0" anchor="ctr"/>
-                <a:lstStyle/>
-                <a:p>
-                  <a:pPr algn="ctr"/>
-                  <a14:m>
-                    <m:oMathPara xmlns:m="http://schemas.openxmlformats.org/officeDocument/2006/math">
-                      <m:oMathParaPr>
-                        <m:jc m:val="centerGroup"/>
-                      </m:oMathParaPr>
-                      <m:oMath xmlns:m="http://schemas.openxmlformats.org/officeDocument/2006/math">
-                        <m:r>
-                          <a:rPr lang="en-US" sz="5400" i="1" smtClean="0">
-                            <a:solidFill>
-                              <a:schemeClr val="tx1"/>
-                            </a:solidFill>
-                            <a:latin typeface="Cambria Math" panose="02040503050406030204" pitchFamily="18" charset="0"/>
-                          </a:rPr>
-                          <m:t> </m:t>
-                        </m:r>
-                        <m:r>
-                          <a:rPr lang="en-US" sz="5400" i="1" smtClean="0">
-                            <a:solidFill>
-                              <a:schemeClr val="tx1"/>
-                            </a:solidFill>
-                            <a:latin typeface="Cambria Math" panose="02040503050406030204" pitchFamily="18" charset="0"/>
-                          </a:rPr>
-                          <m:t>𝐻</m:t>
-                        </m:r>
-                      </m:oMath>
-                    </m:oMathPara>
-                  </a14:m>
-                  <a:endParaRPr lang="en-KR" dirty="0">
-                    <a:solidFill>
-                      <a:schemeClr val="tx1"/>
-                    </a:solidFill>
-                  </a:endParaRPr>
-                </a:p>
-              </p:txBody>
-            </p:sp>
-          </mc:Choice>
-          <mc:Fallback xmlns="">
-            <p:sp>
-              <p:nvSpPr>
-                <p:cNvPr id="8" name="Oval 7">
-                  <a:extLst>
-                    <a:ext uri="{FF2B5EF4-FFF2-40B4-BE49-F238E27FC236}">
-                      <a16:creationId xmlns:a16="http://schemas.microsoft.com/office/drawing/2014/main" id="{ED768682-28A7-A847-B458-ACAC1AFC4093}"/>
-                    </a:ext>
-                  </a:extLst>
-                </p:cNvPr>
-                <p:cNvSpPr>
-                  <a:spLocks noRot="1" noChangeAspect="1" noMove="1" noResize="1" noEditPoints="1" noAdjustHandles="1" noChangeArrowheads="1" noChangeShapeType="1" noTextEdit="1"/>
-                </p:cNvSpPr>
-                <p:nvPr/>
-              </p:nvSpPr>
-              <p:spPr>
-                <a:xfrm>
-                  <a:off x="7928973" y="1490593"/>
-                  <a:ext cx="1327759" cy="1327759"/>
-                </a:xfrm>
-                <a:prstGeom prst="ellipse">
-                  <a:avLst/>
-                </a:prstGeom>
-                <a:blipFill>
-                  <a:blip r:embed="rId4"/>
-                  <a:stretch>
-                    <a:fillRect l="-6481" b="-3704"/>
-                  </a:stretch>
-                </a:blipFill>
-                <a:ln w="28575">
-                  <a:solidFill>
-                    <a:schemeClr val="tx1"/>
-                  </a:solidFill>
-                </a:ln>
-              </p:spPr>
-              <p:txBody>
-                <a:bodyPr/>
-                <a:lstStyle/>
-                <a:p>
-                  <a:r>
-                    <a:rPr lang="en-KR">
-                      <a:noFill/>
-                    </a:rPr>
-                    <a:t> </a:t>
-                  </a:r>
-                </a:p>
-              </p:txBody>
-            </p:sp>
-          </mc:Fallback>
-        </mc:AlternateContent>
-        <mc:AlternateContent xmlns:mc="http://schemas.openxmlformats.org/markup-compatibility/2006" xmlns:a14="http://schemas.microsoft.com/office/drawing/2010/main">
-          <mc:Choice Requires="a14">
-            <p:sp>
-              <p:nvSpPr>
-                <p:cNvPr id="9" name="Oval 8">
-                  <a:extLst>
-                    <a:ext uri="{FF2B5EF4-FFF2-40B4-BE49-F238E27FC236}">
-                      <a16:creationId xmlns:a16="http://schemas.microsoft.com/office/drawing/2014/main" id="{DC5F0BF7-3F5F-0B42-9802-153BA2605ED8}"/>
-                    </a:ext>
-                  </a:extLst>
-                </p:cNvPr>
-                <p:cNvSpPr/>
-                <p:nvPr/>
-              </p:nvSpPr>
-              <p:spPr>
-                <a:xfrm>
-                  <a:off x="5386190" y="1490593"/>
-                  <a:ext cx="1327759" cy="1327759"/>
-                </a:xfrm>
-                <a:prstGeom prst="ellipse">
-                  <a:avLst/>
-                </a:prstGeom>
-                <a:noFill/>
-                <a:ln w="28575">
-                  <a:solidFill>
-                    <a:schemeClr val="tx1"/>
-                  </a:solidFill>
-                </a:ln>
-              </p:spPr>
-              <p:style>
-                <a:lnRef idx="2">
-                  <a:schemeClr val="accent1">
-                    <a:shade val="50000"/>
-                  </a:schemeClr>
-                </a:lnRef>
-                <a:fillRef idx="1">
-                  <a:schemeClr val="accent1"/>
-                </a:fillRef>
-                <a:effectRef idx="0">
-                  <a:schemeClr val="accent1"/>
-                </a:effectRef>
-                <a:fontRef idx="minor">
-                  <a:schemeClr val="lt1"/>
-                </a:fontRef>
-              </p:style>
-              <p:txBody>
-                <a:bodyPr rtlCol="0" anchor="ctr"/>
-                <a:lstStyle/>
-                <a:p>
-                  <a:pPr algn="ctr"/>
-                  <a14:m>
-                    <m:oMathPara xmlns:m="http://schemas.openxmlformats.org/officeDocument/2006/math">
-                      <m:oMathParaPr>
-                        <m:jc m:val="centerGroup"/>
-                      </m:oMathParaPr>
-                      <m:oMath xmlns:m="http://schemas.openxmlformats.org/officeDocument/2006/math">
-                        <m:r>
-                          <a:rPr lang="en-US" sz="5400" i="1" smtClean="0">
-                            <a:solidFill>
-                              <a:schemeClr val="tx1"/>
-                            </a:solidFill>
-                            <a:latin typeface="Cambria Math" panose="02040503050406030204" pitchFamily="18" charset="0"/>
-                          </a:rPr>
-                          <m:t> </m:t>
-                        </m:r>
-                        <m:r>
-                          <a:rPr lang="en-US" sz="5400" i="1" smtClean="0">
-                            <a:solidFill>
-                              <a:schemeClr val="tx1"/>
-                            </a:solidFill>
-                            <a:latin typeface="Cambria Math" panose="02040503050406030204" pitchFamily="18" charset="0"/>
-                          </a:rPr>
-                          <m:t>𝐼</m:t>
-                        </m:r>
-                      </m:oMath>
-                    </m:oMathPara>
-                  </a14:m>
-                  <a:endParaRPr lang="en-KR" dirty="0">
-                    <a:solidFill>
-                      <a:schemeClr val="tx1"/>
-                    </a:solidFill>
-                  </a:endParaRPr>
-                </a:p>
-              </p:txBody>
-            </p:sp>
-          </mc:Choice>
-          <mc:Fallback xmlns="">
-            <p:sp>
-              <p:nvSpPr>
-                <p:cNvPr id="9" name="Oval 8">
-                  <a:extLst>
-                    <a:ext uri="{FF2B5EF4-FFF2-40B4-BE49-F238E27FC236}">
-                      <a16:creationId xmlns:a16="http://schemas.microsoft.com/office/drawing/2014/main" id="{DC5F0BF7-3F5F-0B42-9802-153BA2605ED8}"/>
-                    </a:ext>
-                  </a:extLst>
-                </p:cNvPr>
-                <p:cNvSpPr>
-                  <a:spLocks noRot="1" noChangeAspect="1" noMove="1" noResize="1" noEditPoints="1" noAdjustHandles="1" noChangeArrowheads="1" noChangeShapeType="1" noTextEdit="1"/>
-                </p:cNvSpPr>
-                <p:nvPr/>
-              </p:nvSpPr>
-              <p:spPr>
-                <a:xfrm>
-                  <a:off x="5386190" y="1490593"/>
-                  <a:ext cx="1327759" cy="1327759"/>
-                </a:xfrm>
-                <a:prstGeom prst="ellipse">
-                  <a:avLst/>
-                </a:prstGeom>
-                <a:blipFill>
-                  <a:blip r:embed="rId5"/>
-                  <a:stretch>
-                    <a:fillRect b="-3704"/>
-                  </a:stretch>
-                </a:blipFill>
-                <a:ln w="28575">
-                  <a:solidFill>
-                    <a:schemeClr val="tx1"/>
-                  </a:solidFill>
-                </a:ln>
-              </p:spPr>
-              <p:txBody>
-                <a:bodyPr/>
-                <a:lstStyle/>
-                <a:p>
-                  <a:r>
-                    <a:rPr lang="en-KR">
-                      <a:noFill/>
-                    </a:rPr>
-                    <a:t> </a:t>
-                  </a:r>
-                </a:p>
-              </p:txBody>
-            </p:sp>
-          </mc:Fallback>
-        </mc:AlternateContent>
-        <mc:AlternateContent xmlns:mc="http://schemas.openxmlformats.org/markup-compatibility/2006" xmlns:a14="http://schemas.microsoft.com/office/drawing/2010/main">
-          <mc:Choice Requires="a14">
-            <p:sp>
-              <p:nvSpPr>
-                <p:cNvPr id="10" name="Oval 9">
-                  <a:extLst>
-                    <a:ext uri="{FF2B5EF4-FFF2-40B4-BE49-F238E27FC236}">
-                      <a16:creationId xmlns:a16="http://schemas.microsoft.com/office/drawing/2014/main" id="{F72616F3-5E5B-CF46-B05E-0706FE77533C}"/>
-                    </a:ext>
-                  </a:extLst>
-                </p:cNvPr>
-                <p:cNvSpPr/>
-                <p:nvPr/>
-              </p:nvSpPr>
-              <p:spPr>
-                <a:xfrm>
-                  <a:off x="2843407" y="4039648"/>
-                  <a:ext cx="1327759" cy="1327759"/>
-                </a:xfrm>
-                <a:prstGeom prst="ellipse">
-                  <a:avLst/>
-                </a:prstGeom>
-                <a:noFill/>
-                <a:ln w="28575">
-                  <a:solidFill>
-                    <a:schemeClr val="tx1"/>
-                  </a:solidFill>
-                </a:ln>
-              </p:spPr>
-              <p:style>
-                <a:lnRef idx="2">
-                  <a:schemeClr val="accent1">
-                    <a:shade val="50000"/>
-                  </a:schemeClr>
-                </a:lnRef>
-                <a:fillRef idx="1">
-                  <a:schemeClr val="accent1"/>
-                </a:fillRef>
-                <a:effectRef idx="0">
-                  <a:schemeClr val="accent1"/>
-                </a:effectRef>
-                <a:fontRef idx="minor">
-                  <a:schemeClr val="lt1"/>
-                </a:fontRef>
-              </p:style>
-              <p:txBody>
-                <a:bodyPr rtlCol="0" anchor="ctr"/>
-                <a:lstStyle/>
-                <a:p>
-                  <a:pPr algn="ctr"/>
-                  <a14:m>
-                    <m:oMathPara xmlns:m="http://schemas.openxmlformats.org/officeDocument/2006/math">
-                      <m:oMathParaPr>
-                        <m:jc m:val="centerGroup"/>
-                      </m:oMathParaPr>
-                      <m:oMath xmlns:m="http://schemas.openxmlformats.org/officeDocument/2006/math">
-                        <m:r>
-                          <a:rPr lang="en-US" sz="5400" i="1" smtClean="0">
-                            <a:solidFill>
-                              <a:schemeClr val="tx1"/>
-                            </a:solidFill>
-                            <a:latin typeface="Cambria Math" panose="02040503050406030204" pitchFamily="18" charset="0"/>
-                          </a:rPr>
-                          <m:t> </m:t>
-                        </m:r>
-                        <m:r>
-                          <a:rPr lang="en-US" sz="5400" i="1" smtClean="0">
-                            <a:solidFill>
-                              <a:schemeClr val="tx1"/>
-                            </a:solidFill>
-                            <a:latin typeface="Cambria Math" panose="02040503050406030204" pitchFamily="18" charset="0"/>
-                          </a:rPr>
-                          <m:t>𝑉</m:t>
-                        </m:r>
-                      </m:oMath>
-                    </m:oMathPara>
-                  </a14:m>
-                  <a:endParaRPr lang="en-KR" dirty="0">
-                    <a:solidFill>
-                      <a:schemeClr val="tx1"/>
-                    </a:solidFill>
-                  </a:endParaRPr>
-                </a:p>
-              </p:txBody>
-            </p:sp>
-          </mc:Choice>
-          <mc:Fallback xmlns="">
-            <p:sp>
-              <p:nvSpPr>
-                <p:cNvPr id="10" name="Oval 9">
-                  <a:extLst>
-                    <a:ext uri="{FF2B5EF4-FFF2-40B4-BE49-F238E27FC236}">
-                      <a16:creationId xmlns:a16="http://schemas.microsoft.com/office/drawing/2014/main" id="{F72616F3-5E5B-CF46-B05E-0706FE77533C}"/>
-                    </a:ext>
-                  </a:extLst>
-                </p:cNvPr>
-                <p:cNvSpPr>
-                  <a:spLocks noRot="1" noChangeAspect="1" noMove="1" noResize="1" noEditPoints="1" noAdjustHandles="1" noChangeArrowheads="1" noChangeShapeType="1" noTextEdit="1"/>
-                </p:cNvSpPr>
-                <p:nvPr/>
-              </p:nvSpPr>
-              <p:spPr>
-                <a:xfrm>
-                  <a:off x="2843407" y="4039648"/>
-                  <a:ext cx="1327759" cy="1327759"/>
-                </a:xfrm>
-                <a:prstGeom prst="ellipse">
-                  <a:avLst/>
-                </a:prstGeom>
-                <a:blipFill>
-                  <a:blip r:embed="rId6"/>
-                  <a:stretch>
-                    <a:fillRect l="-2778" b="-4673"/>
-                  </a:stretch>
-                </a:blipFill>
-                <a:ln w="28575">
-                  <a:solidFill>
-                    <a:schemeClr val="tx1"/>
-                  </a:solidFill>
-                </a:ln>
-              </p:spPr>
-              <p:txBody>
-                <a:bodyPr/>
-                <a:lstStyle/>
-                <a:p>
-                  <a:r>
-                    <a:rPr lang="en-KR">
-                      <a:noFill/>
-                    </a:rPr>
-                    <a:t> </a:t>
-                  </a:r>
-                </a:p>
-              </p:txBody>
-            </p:sp>
-          </mc:Fallback>
-        </mc:AlternateContent>
-        <mc:AlternateContent xmlns:mc="http://schemas.openxmlformats.org/markup-compatibility/2006" xmlns:a14="http://schemas.microsoft.com/office/drawing/2010/main">
-          <mc:Choice Requires="a14">
-            <p:sp>
-              <p:nvSpPr>
-                <p:cNvPr id="11" name="Oval 10">
-                  <a:extLst>
-                    <a:ext uri="{FF2B5EF4-FFF2-40B4-BE49-F238E27FC236}">
-                      <a16:creationId xmlns:a16="http://schemas.microsoft.com/office/drawing/2014/main" id="{82BFA790-F8AA-A849-AEF7-71A775F71761}"/>
-                    </a:ext>
-                  </a:extLst>
-                </p:cNvPr>
-                <p:cNvSpPr/>
-                <p:nvPr/>
-              </p:nvSpPr>
-              <p:spPr>
-                <a:xfrm>
-                  <a:off x="10471756" y="1490592"/>
-                  <a:ext cx="1327759" cy="1327759"/>
-                </a:xfrm>
-                <a:prstGeom prst="ellipse">
-                  <a:avLst/>
-                </a:prstGeom>
-                <a:noFill/>
-                <a:ln w="28575">
-                  <a:solidFill>
-                    <a:schemeClr val="tx1"/>
-                  </a:solidFill>
-                </a:ln>
-              </p:spPr>
-              <p:style>
-                <a:lnRef idx="2">
-                  <a:schemeClr val="accent1">
-                    <a:shade val="50000"/>
-                  </a:schemeClr>
-                </a:lnRef>
-                <a:fillRef idx="1">
-                  <a:schemeClr val="accent1"/>
-                </a:fillRef>
-                <a:effectRef idx="0">
-                  <a:schemeClr val="accent1"/>
-                </a:effectRef>
-                <a:fontRef idx="minor">
-                  <a:schemeClr val="lt1"/>
-                </a:fontRef>
-              </p:style>
-              <p:txBody>
-                <a:bodyPr rtlCol="0" anchor="ctr"/>
-                <a:lstStyle/>
-                <a:p>
-                  <a:pPr algn="ctr"/>
-                  <a14:m>
-                    <m:oMathPara xmlns:m="http://schemas.openxmlformats.org/officeDocument/2006/math">
-                      <m:oMathParaPr>
-                        <m:jc m:val="centerGroup"/>
-                      </m:oMathParaPr>
-                      <m:oMath xmlns:m="http://schemas.openxmlformats.org/officeDocument/2006/math">
-                        <m:r>
-                          <a:rPr lang="en-US" sz="5400" i="1" smtClean="0">
-                            <a:solidFill>
-                              <a:schemeClr val="tx1"/>
-                            </a:solidFill>
-                            <a:latin typeface="Cambria Math" panose="02040503050406030204" pitchFamily="18" charset="0"/>
-                          </a:rPr>
-                          <m:t> </m:t>
-                        </m:r>
-                        <m:r>
-                          <a:rPr lang="en-US" sz="5400" i="1" smtClean="0">
-                            <a:solidFill>
-                              <a:schemeClr val="tx1"/>
-                            </a:solidFill>
-                            <a:latin typeface="Cambria Math" panose="02040503050406030204" pitchFamily="18" charset="0"/>
-                          </a:rPr>
-                          <m:t>𝑅</m:t>
-                        </m:r>
-                      </m:oMath>
-                    </m:oMathPara>
-                  </a14:m>
-                  <a:endParaRPr lang="en-KR" dirty="0">
-                    <a:solidFill>
-                      <a:schemeClr val="tx1"/>
-                    </a:solidFill>
-                  </a:endParaRPr>
-                </a:p>
-              </p:txBody>
-            </p:sp>
-          </mc:Choice>
-          <mc:Fallback xmlns="">
-            <p:sp>
-              <p:nvSpPr>
-                <p:cNvPr id="11" name="Oval 10">
-                  <a:extLst>
-                    <a:ext uri="{FF2B5EF4-FFF2-40B4-BE49-F238E27FC236}">
-                      <a16:creationId xmlns:a16="http://schemas.microsoft.com/office/drawing/2014/main" id="{82BFA790-F8AA-A849-AEF7-71A775F71761}"/>
-                    </a:ext>
-                  </a:extLst>
-                </p:cNvPr>
-                <p:cNvSpPr>
-                  <a:spLocks noRot="1" noChangeAspect="1" noMove="1" noResize="1" noEditPoints="1" noAdjustHandles="1" noChangeArrowheads="1" noChangeShapeType="1" noTextEdit="1"/>
-                </p:cNvSpPr>
-                <p:nvPr/>
-              </p:nvSpPr>
-              <p:spPr>
-                <a:xfrm>
-                  <a:off x="10471756" y="1490592"/>
-                  <a:ext cx="1327759" cy="1327759"/>
-                </a:xfrm>
-                <a:prstGeom prst="ellipse">
-                  <a:avLst/>
-                </a:prstGeom>
-                <a:blipFill>
-                  <a:blip r:embed="rId7"/>
-                  <a:stretch>
-                    <a:fillRect l="-3704" b="-3704"/>
+                    <a:fillRect l="-11111" b="-3670"/>
                   </a:stretch>
                 </a:blipFill>
                 <a:ln w="28575">
@@ -4185,281 +5689,24 @@
         </mc:AlternateContent>
         <p:cxnSp>
           <p:nvCxnSpPr>
-            <p:cNvPr id="13" name="Straight Arrow Connector 12">
+            <p:cNvPr id="27" name="Straight Arrow Connector 26">
               <a:extLst>
                 <a:ext uri="{FF2B5EF4-FFF2-40B4-BE49-F238E27FC236}">
-                  <a16:creationId xmlns:a16="http://schemas.microsoft.com/office/drawing/2014/main" id="{A0D5EE9C-5B9F-5043-97C7-7055772803BB}"/>
-                </a:ext>
-              </a:extLst>
-            </p:cNvPr>
-            <p:cNvCxnSpPr>
-              <a:stCxn id="6" idx="6"/>
-              <a:endCxn id="7" idx="2"/>
-            </p:cNvCxnSpPr>
-            <p:nvPr/>
-          </p:nvCxnSpPr>
-          <p:spPr>
-            <a:xfrm>
-              <a:off x="1628383" y="2154474"/>
-              <a:ext cx="1215024" cy="0"/>
-            </a:xfrm>
-            <a:prstGeom prst="straightConnector1">
-              <a:avLst/>
-            </a:prstGeom>
-            <a:ln w="38100">
-              <a:headEnd type="none" w="med" len="med"/>
-              <a:tailEnd type="arrow" w="med" len="med"/>
-            </a:ln>
-          </p:spPr>
-          <p:style>
-            <a:lnRef idx="1">
-              <a:schemeClr val="dk1"/>
-            </a:lnRef>
-            <a:fillRef idx="0">
-              <a:schemeClr val="dk1"/>
-            </a:fillRef>
-            <a:effectRef idx="0">
-              <a:schemeClr val="dk1"/>
-            </a:effectRef>
-            <a:fontRef idx="minor">
-              <a:schemeClr val="tx1"/>
-            </a:fontRef>
-          </p:style>
-        </p:cxnSp>
-        <p:cxnSp>
-          <p:nvCxnSpPr>
-            <p:cNvPr id="14" name="Straight Arrow Connector 13">
-              <a:extLst>
-                <a:ext uri="{FF2B5EF4-FFF2-40B4-BE49-F238E27FC236}">
-                  <a16:creationId xmlns:a16="http://schemas.microsoft.com/office/drawing/2014/main" id="{A8E28EDF-6826-3A41-B1CB-649B66AA429E}"/>
-                </a:ext>
-              </a:extLst>
-            </p:cNvPr>
-            <p:cNvCxnSpPr/>
-            <p:nvPr/>
-          </p:nvCxnSpPr>
-          <p:spPr>
-            <a:xfrm>
-              <a:off x="4171166" y="2154474"/>
-              <a:ext cx="1215024" cy="0"/>
-            </a:xfrm>
-            <a:prstGeom prst="straightConnector1">
-              <a:avLst/>
-            </a:prstGeom>
-            <a:ln w="38100">
-              <a:headEnd type="none" w="med" len="med"/>
-              <a:tailEnd type="arrow" w="med" len="med"/>
-            </a:ln>
-          </p:spPr>
-          <p:style>
-            <a:lnRef idx="1">
-              <a:schemeClr val="dk1"/>
-            </a:lnRef>
-            <a:fillRef idx="0">
-              <a:schemeClr val="dk1"/>
-            </a:fillRef>
-            <a:effectRef idx="0">
-              <a:schemeClr val="dk1"/>
-            </a:effectRef>
-            <a:fontRef idx="minor">
-              <a:schemeClr val="tx1"/>
-            </a:fontRef>
-          </p:style>
-        </p:cxnSp>
-        <p:cxnSp>
-          <p:nvCxnSpPr>
-            <p:cNvPr id="15" name="Straight Arrow Connector 14">
-              <a:extLst>
-                <a:ext uri="{FF2B5EF4-FFF2-40B4-BE49-F238E27FC236}">
-                  <a16:creationId xmlns:a16="http://schemas.microsoft.com/office/drawing/2014/main" id="{7F33EDC9-FDB7-0244-A4F9-CD460F0F9CC3}"/>
-                </a:ext>
-              </a:extLst>
-            </p:cNvPr>
-            <p:cNvCxnSpPr/>
-            <p:nvPr/>
-          </p:nvCxnSpPr>
-          <p:spPr>
-            <a:xfrm>
-              <a:off x="6713949" y="2154474"/>
-              <a:ext cx="1215024" cy="0"/>
-            </a:xfrm>
-            <a:prstGeom prst="straightConnector1">
-              <a:avLst/>
-            </a:prstGeom>
-            <a:ln w="38100">
-              <a:headEnd type="none" w="med" len="med"/>
-              <a:tailEnd type="arrow" w="med" len="med"/>
-            </a:ln>
-          </p:spPr>
-          <p:style>
-            <a:lnRef idx="1">
-              <a:schemeClr val="dk1"/>
-            </a:lnRef>
-            <a:fillRef idx="0">
-              <a:schemeClr val="dk1"/>
-            </a:fillRef>
-            <a:effectRef idx="0">
-              <a:schemeClr val="dk1"/>
-            </a:effectRef>
-            <a:fontRef idx="minor">
-              <a:schemeClr val="tx1"/>
-            </a:fontRef>
-          </p:style>
-        </p:cxnSp>
-        <p:cxnSp>
-          <p:nvCxnSpPr>
-            <p:cNvPr id="16" name="Straight Arrow Connector 15">
-              <a:extLst>
-                <a:ext uri="{FF2B5EF4-FFF2-40B4-BE49-F238E27FC236}">
-                  <a16:creationId xmlns:a16="http://schemas.microsoft.com/office/drawing/2014/main" id="{3CC72BAA-7424-7149-8C25-60B1EA64628C}"/>
-                </a:ext>
-              </a:extLst>
-            </p:cNvPr>
-            <p:cNvCxnSpPr/>
-            <p:nvPr/>
-          </p:nvCxnSpPr>
-          <p:spPr>
-            <a:xfrm>
-              <a:off x="9256732" y="2154474"/>
-              <a:ext cx="1215024" cy="0"/>
-            </a:xfrm>
-            <a:prstGeom prst="straightConnector1">
-              <a:avLst/>
-            </a:prstGeom>
-            <a:ln w="38100">
-              <a:headEnd type="none" w="med" len="med"/>
-              <a:tailEnd type="arrow" w="med" len="med"/>
-            </a:ln>
-          </p:spPr>
-          <p:style>
-            <a:lnRef idx="1">
-              <a:schemeClr val="dk1"/>
-            </a:lnRef>
-            <a:fillRef idx="0">
-              <a:schemeClr val="dk1"/>
-            </a:fillRef>
-            <a:effectRef idx="0">
-              <a:schemeClr val="dk1"/>
-            </a:effectRef>
-            <a:fontRef idx="minor">
-              <a:schemeClr val="tx1"/>
-            </a:fontRef>
-          </p:style>
-        </p:cxnSp>
-        <p:cxnSp>
-          <p:nvCxnSpPr>
-            <p:cNvPr id="18" name="Straight Arrow Connector 17">
-              <a:extLst>
-                <a:ext uri="{FF2B5EF4-FFF2-40B4-BE49-F238E27FC236}">
-                  <a16:creationId xmlns:a16="http://schemas.microsoft.com/office/drawing/2014/main" id="{51718302-B105-E049-AF03-0198EC68ECB4}"/>
+                  <a16:creationId xmlns:a16="http://schemas.microsoft.com/office/drawing/2014/main" id="{CB5F64A4-2E0C-9A40-ACE2-3C17C189E5C5}"/>
                 </a:ext>
               </a:extLst>
             </p:cNvPr>
             <p:cNvCxnSpPr>
               <a:cxnSpLocks/>
-              <a:stCxn id="6" idx="5"/>
-              <a:endCxn id="10" idx="1"/>
-            </p:cNvCxnSpPr>
-            <p:nvPr/>
-          </p:nvCxnSpPr>
-          <p:spPr>
-            <a:xfrm>
-              <a:off x="1433937" y="2623907"/>
-              <a:ext cx="1603916" cy="1610187"/>
-            </a:xfrm>
-            <a:prstGeom prst="straightConnector1">
-              <a:avLst/>
-            </a:prstGeom>
-            <a:ln w="38100">
-              <a:solidFill>
-                <a:schemeClr val="tx1"/>
-              </a:solidFill>
-              <a:headEnd type="none" w="med" len="med"/>
-              <a:tailEnd type="arrow" w="med" len="med"/>
-            </a:ln>
-          </p:spPr>
-          <p:style>
-            <a:lnRef idx="1">
-              <a:schemeClr val="accent1"/>
-            </a:lnRef>
-            <a:fillRef idx="0">
-              <a:schemeClr val="accent1"/>
-            </a:fillRef>
-            <a:effectRef idx="0">
-              <a:schemeClr val="accent1"/>
-            </a:effectRef>
-            <a:fontRef idx="minor">
-              <a:schemeClr val="tx1"/>
-            </a:fontRef>
-          </p:style>
-        </p:cxnSp>
-        <p:cxnSp>
-          <p:nvCxnSpPr>
-            <p:cNvPr id="19" name="Straight Arrow Connector 18">
-              <a:extLst>
-                <a:ext uri="{FF2B5EF4-FFF2-40B4-BE49-F238E27FC236}">
-                  <a16:creationId xmlns:a16="http://schemas.microsoft.com/office/drawing/2014/main" id="{2F11F36F-9521-5F44-A5F1-40F01550AA89}"/>
-                </a:ext>
-              </a:extLst>
-            </p:cNvPr>
-            <p:cNvCxnSpPr>
-              <a:cxnSpLocks/>
-              <a:stCxn id="10" idx="0"/>
+              <a:stCxn id="26" idx="0"/>
               <a:endCxn id="7" idx="4"/>
             </p:cNvCxnSpPr>
             <p:nvPr/>
           </p:nvCxnSpPr>
           <p:spPr>
-            <a:xfrm flipV="1">
-              <a:off x="3507287" y="2818353"/>
-              <a:ext cx="0" cy="1221295"/>
-            </a:xfrm>
-            <a:prstGeom prst="straightConnector1">
-              <a:avLst/>
-            </a:prstGeom>
-            <a:ln w="38100">
-              <a:solidFill>
-                <a:schemeClr val="tx1"/>
-              </a:solidFill>
-              <a:headEnd type="none" w="med" len="med"/>
-              <a:tailEnd type="arrow" w="med" len="med"/>
-            </a:ln>
-          </p:spPr>
-          <p:style>
-            <a:lnRef idx="1">
-              <a:schemeClr val="accent1"/>
-            </a:lnRef>
-            <a:fillRef idx="0">
-              <a:schemeClr val="accent1"/>
-            </a:fillRef>
-            <a:effectRef idx="0">
-              <a:schemeClr val="accent1"/>
-            </a:effectRef>
-            <a:fontRef idx="minor">
-              <a:schemeClr val="tx1"/>
-            </a:fontRef>
-          </p:style>
-        </p:cxnSp>
-        <p:cxnSp>
-          <p:nvCxnSpPr>
-            <p:cNvPr id="22" name="Straight Arrow Connector 21">
-              <a:extLst>
-                <a:ext uri="{FF2B5EF4-FFF2-40B4-BE49-F238E27FC236}">
-                  <a16:creationId xmlns:a16="http://schemas.microsoft.com/office/drawing/2014/main" id="{0E8EEF73-C911-4947-B8AF-C94387E52153}"/>
-                </a:ext>
-              </a:extLst>
-            </p:cNvPr>
-            <p:cNvCxnSpPr>
-              <a:cxnSpLocks/>
-              <a:stCxn id="10" idx="6"/>
-              <a:endCxn id="11" idx="4"/>
-            </p:cNvCxnSpPr>
-            <p:nvPr/>
-          </p:nvCxnSpPr>
-          <p:spPr>
-            <a:xfrm flipV="1">
-              <a:off x="4171166" y="2818351"/>
-              <a:ext cx="6964470" cy="1885177"/>
+            <a:xfrm flipH="1" flipV="1">
+              <a:off x="3664942" y="2818353"/>
+              <a:ext cx="1271391" cy="1475239"/>
             </a:xfrm>
             <a:prstGeom prst="straightConnector1">
               <a:avLst/>
@@ -4491,10 +5738,10 @@
           <mc:Choice Requires="a14">
             <p:sp>
               <p:nvSpPr>
-                <p:cNvPr id="28" name="TextBox 27">
+                <p:cNvPr id="37" name="TextBox 36">
                   <a:extLst>
                     <a:ext uri="{FF2B5EF4-FFF2-40B4-BE49-F238E27FC236}">
-                      <a16:creationId xmlns:a16="http://schemas.microsoft.com/office/drawing/2014/main" id="{6DCD6EE5-43C1-FE4C-8FE0-8D4BE1066164}"/>
+                      <a16:creationId xmlns:a16="http://schemas.microsoft.com/office/drawing/2014/main" id="{5505C2A0-1D9D-0841-BD02-AC6B457C8693}"/>
                     </a:ext>
                   </a:extLst>
                 </p:cNvPr>
@@ -4502,9 +5749,9 @@
                 <p:nvPr/>
               </p:nvSpPr>
               <p:spPr>
-                <a:xfrm>
-                  <a:off x="1968097" y="1508140"/>
-                  <a:ext cx="535595" cy="646331"/>
+                <a:xfrm rot="2936757">
+                  <a:off x="3773944" y="3258075"/>
+                  <a:ext cx="1717265" cy="523220"/>
                 </a:xfrm>
                 <a:prstGeom prst="rect">
                   <a:avLst/>
@@ -4525,7 +5772,44 @@
                       </m:oMathParaPr>
                       <m:oMath xmlns:m="http://schemas.openxmlformats.org/officeDocument/2006/math">
                         <m:r>
-                          <a:rPr lang="en-US" sz="3600" i="1" smtClean="0">
+                          <a:rPr lang="en-US" sz="2800" b="0" i="1" smtClean="0">
+                            <a:latin typeface="Cambria Math" panose="02040503050406030204" pitchFamily="18" charset="0"/>
+                          </a:rPr>
+                          <m:t>(1−</m:t>
+                        </m:r>
+                        <m:sSub>
+                          <m:sSubPr>
+                            <m:ctrlPr>
+                              <a:rPr lang="en-US" sz="2800" b="0" i="1" smtClean="0">
+                                <a:latin typeface="Cambria Math" panose="02040503050406030204" pitchFamily="18" charset="0"/>
+                              </a:rPr>
+                            </m:ctrlPr>
+                          </m:sSubPr>
+                          <m:e>
+                            <m:r>
+                              <a:rPr lang="en-US" sz="2800" b="0" i="1" smtClean="0">
+                                <a:latin typeface="Cambria Math" panose="02040503050406030204" pitchFamily="18" charset="0"/>
+                              </a:rPr>
+                              <m:t>𝑒</m:t>
+                            </m:r>
+                          </m:e>
+                          <m:sub>
+                            <m:r>
+                              <a:rPr lang="en-US" sz="2800" b="0" i="1" smtClean="0">
+                                <a:latin typeface="Cambria Math" panose="02040503050406030204" pitchFamily="18" charset="0"/>
+                              </a:rPr>
+                              <m:t>2</m:t>
+                            </m:r>
+                          </m:sub>
+                        </m:sSub>
+                        <m:r>
+                          <a:rPr lang="en-US" sz="2800" b="0" i="1" smtClean="0">
+                            <a:latin typeface="Cambria Math" panose="02040503050406030204" pitchFamily="18" charset="0"/>
+                          </a:rPr>
+                          <m:t>)</m:t>
+                        </m:r>
+                        <m:r>
+                          <a:rPr lang="en-US" sz="2800" i="1" smtClean="0">
                             <a:latin typeface="Cambria Math" panose="02040503050406030204" pitchFamily="18" charset="0"/>
                           </a:rPr>
                           <m:t>𝜆</m:t>
@@ -4533,7 +5817,7 @@
                       </m:oMath>
                     </m:oMathPara>
                   </a14:m>
-                  <a:endParaRPr lang="en-KR" dirty="0"/>
+                  <a:endParaRPr lang="en-KR" sz="1400" dirty="0"/>
                 </a:p>
               </p:txBody>
             </p:sp>
@@ -4541,10 +5825,10 @@
           <mc:Fallback xmlns="">
             <p:sp>
               <p:nvSpPr>
-                <p:cNvPr id="28" name="TextBox 27">
+                <p:cNvPr id="37" name="TextBox 36">
                   <a:extLst>
                     <a:ext uri="{FF2B5EF4-FFF2-40B4-BE49-F238E27FC236}">
-                      <a16:creationId xmlns:a16="http://schemas.microsoft.com/office/drawing/2014/main" id="{6DCD6EE5-43C1-FE4C-8FE0-8D4BE1066164}"/>
+                      <a16:creationId xmlns:a16="http://schemas.microsoft.com/office/drawing/2014/main" id="{5505C2A0-1D9D-0841-BD02-AC6B457C8693}"/>
                     </a:ext>
                   </a:extLst>
                 </p:cNvPr>
@@ -4554,17 +5838,17 @@
                 <p:nvPr/>
               </p:nvSpPr>
               <p:spPr>
-                <a:xfrm>
-                  <a:off x="1968097" y="1508140"/>
-                  <a:ext cx="535595" cy="646331"/>
+                <a:xfrm rot="2936757">
+                  <a:off x="3773944" y="3258075"/>
+                  <a:ext cx="1717265" cy="523220"/>
                 </a:xfrm>
                 <a:prstGeom prst="rect">
                   <a:avLst/>
                 </a:prstGeom>
                 <a:blipFill>
-                  <a:blip r:embed="rId8"/>
+                  <a:blip r:embed="rId15"/>
                   <a:stretch>
-                    <a:fillRect l="-4651"/>
+                    <a:fillRect l="-5785"/>
                   </a:stretch>
                 </a:blipFill>
               </p:spPr>
@@ -4583,705 +5867,53 @@
             </p:sp>
           </mc:Fallback>
         </mc:AlternateContent>
-        <mc:AlternateContent xmlns:mc="http://schemas.openxmlformats.org/markup-compatibility/2006" xmlns:a14="http://schemas.microsoft.com/office/drawing/2010/main">
-          <mc:Choice Requires="a14">
-            <p:sp>
-              <p:nvSpPr>
-                <p:cNvPr id="29" name="TextBox 28">
-                  <a:extLst>
-                    <a:ext uri="{FF2B5EF4-FFF2-40B4-BE49-F238E27FC236}">
-                      <a16:creationId xmlns:a16="http://schemas.microsoft.com/office/drawing/2014/main" id="{D64B5FE1-3A09-D14B-B0D8-73327A421103}"/>
-                    </a:ext>
-                  </a:extLst>
-                </p:cNvPr>
-                <p:cNvSpPr txBox="1"/>
-                <p:nvPr/>
-              </p:nvSpPr>
-              <p:spPr>
-                <a:xfrm>
-                  <a:off x="4510880" y="1508140"/>
-                  <a:ext cx="551305" cy="646331"/>
-                </a:xfrm>
-                <a:prstGeom prst="rect">
-                  <a:avLst/>
-                </a:prstGeom>
-                <a:noFill/>
-              </p:spPr>
-              <p:txBody>
-                <a:bodyPr wrap="none" rtlCol="0">
-                  <a:spAutoFit/>
-                </a:bodyPr>
-                <a:lstStyle/>
-                <a:p>
-                  <a:pPr/>
-                  <a14:m>
-                    <m:oMathPara xmlns:m="http://schemas.openxmlformats.org/officeDocument/2006/math">
-                      <m:oMathParaPr>
-                        <m:jc m:val="centerGroup"/>
-                      </m:oMathParaPr>
-                      <m:oMath xmlns:m="http://schemas.openxmlformats.org/officeDocument/2006/math">
-                        <m:r>
-                          <a:rPr lang="en-US" sz="3600" i="1" smtClean="0">
-                            <a:latin typeface="Cambria Math" panose="02040503050406030204" pitchFamily="18" charset="0"/>
-                          </a:rPr>
-                          <m:t>𝜅</m:t>
-                        </m:r>
-                      </m:oMath>
-                    </m:oMathPara>
-                  </a14:m>
-                  <a:endParaRPr lang="en-KR" dirty="0"/>
-                </a:p>
-              </p:txBody>
-            </p:sp>
-          </mc:Choice>
-          <mc:Fallback xmlns="">
-            <p:sp>
-              <p:nvSpPr>
-                <p:cNvPr id="29" name="TextBox 28">
-                  <a:extLst>
-                    <a:ext uri="{FF2B5EF4-FFF2-40B4-BE49-F238E27FC236}">
-                      <a16:creationId xmlns:a16="http://schemas.microsoft.com/office/drawing/2014/main" id="{D64B5FE1-3A09-D14B-B0D8-73327A421103}"/>
-                    </a:ext>
-                  </a:extLst>
-                </p:cNvPr>
-                <p:cNvSpPr txBox="1">
-                  <a:spLocks noRot="1" noChangeAspect="1" noMove="1" noResize="1" noEditPoints="1" noAdjustHandles="1" noChangeArrowheads="1" noChangeShapeType="1" noTextEdit="1"/>
-                </p:cNvSpPr>
-                <p:nvPr/>
-              </p:nvSpPr>
-              <p:spPr>
-                <a:xfrm>
-                  <a:off x="4510880" y="1508140"/>
-                  <a:ext cx="551305" cy="646331"/>
-                </a:xfrm>
-                <a:prstGeom prst="rect">
-                  <a:avLst/>
-                </a:prstGeom>
-                <a:blipFill>
-                  <a:blip r:embed="rId9"/>
-                  <a:stretch>
-                    <a:fillRect/>
-                  </a:stretch>
-                </a:blipFill>
-              </p:spPr>
-              <p:txBody>
-                <a:bodyPr/>
-                <a:lstStyle/>
-                <a:p>
-                  <a:r>
-                    <a:rPr lang="en-KR">
-                      <a:noFill/>
-                    </a:rPr>
-                    <a:t> </a:t>
-                  </a:r>
-                </a:p>
-              </p:txBody>
-            </p:sp>
-          </mc:Fallback>
-        </mc:AlternateContent>
-        <mc:AlternateContent xmlns:mc="http://schemas.openxmlformats.org/markup-compatibility/2006" xmlns:a14="http://schemas.microsoft.com/office/drawing/2010/main">
-          <mc:Choice Requires="a14">
-            <p:sp>
-              <p:nvSpPr>
-                <p:cNvPr id="30" name="TextBox 29">
-                  <a:extLst>
-                    <a:ext uri="{FF2B5EF4-FFF2-40B4-BE49-F238E27FC236}">
-                      <a16:creationId xmlns:a16="http://schemas.microsoft.com/office/drawing/2014/main" id="{427FA74E-AAA7-0D4A-8481-46707DF2D70F}"/>
-                    </a:ext>
-                  </a:extLst>
-                </p:cNvPr>
-                <p:cNvSpPr txBox="1"/>
-                <p:nvPr/>
-              </p:nvSpPr>
-              <p:spPr>
-                <a:xfrm>
-                  <a:off x="7053663" y="1508140"/>
-                  <a:ext cx="580159" cy="646331"/>
-                </a:xfrm>
-                <a:prstGeom prst="rect">
-                  <a:avLst/>
-                </a:prstGeom>
-                <a:noFill/>
-              </p:spPr>
-              <p:txBody>
-                <a:bodyPr wrap="none" rtlCol="0">
-                  <a:spAutoFit/>
-                </a:bodyPr>
-                <a:lstStyle/>
-                <a:p>
-                  <a:pPr/>
-                  <a14:m>
-                    <m:oMathPara xmlns:m="http://schemas.openxmlformats.org/officeDocument/2006/math">
-                      <m:oMathParaPr>
-                        <m:jc m:val="centerGroup"/>
-                      </m:oMathParaPr>
-                      <m:oMath xmlns:m="http://schemas.openxmlformats.org/officeDocument/2006/math">
-                        <m:r>
-                          <a:rPr lang="en-US" sz="3600" i="1" smtClean="0">
-                            <a:latin typeface="Cambria Math" panose="02040503050406030204" pitchFamily="18" charset="0"/>
-                          </a:rPr>
-                          <m:t>𝛼</m:t>
-                        </m:r>
-                      </m:oMath>
-                    </m:oMathPara>
-                  </a14:m>
-                  <a:endParaRPr lang="en-KR" dirty="0"/>
-                </a:p>
-              </p:txBody>
-            </p:sp>
-          </mc:Choice>
-          <mc:Fallback xmlns="">
-            <p:sp>
-              <p:nvSpPr>
-                <p:cNvPr id="30" name="TextBox 29">
-                  <a:extLst>
-                    <a:ext uri="{FF2B5EF4-FFF2-40B4-BE49-F238E27FC236}">
-                      <a16:creationId xmlns:a16="http://schemas.microsoft.com/office/drawing/2014/main" id="{427FA74E-AAA7-0D4A-8481-46707DF2D70F}"/>
-                    </a:ext>
-                  </a:extLst>
-                </p:cNvPr>
-                <p:cNvSpPr txBox="1">
-                  <a:spLocks noRot="1" noChangeAspect="1" noMove="1" noResize="1" noEditPoints="1" noAdjustHandles="1" noChangeArrowheads="1" noChangeShapeType="1" noTextEdit="1"/>
-                </p:cNvSpPr>
-                <p:nvPr/>
-              </p:nvSpPr>
-              <p:spPr>
-                <a:xfrm>
-                  <a:off x="7053663" y="1508140"/>
-                  <a:ext cx="580159" cy="646331"/>
-                </a:xfrm>
-                <a:prstGeom prst="rect">
-                  <a:avLst/>
-                </a:prstGeom>
-                <a:blipFill>
-                  <a:blip r:embed="rId10"/>
-                  <a:stretch>
-                    <a:fillRect/>
-                  </a:stretch>
-                </a:blipFill>
-              </p:spPr>
-              <p:txBody>
-                <a:bodyPr/>
-                <a:lstStyle/>
-                <a:p>
-                  <a:r>
-                    <a:rPr lang="en-KR">
-                      <a:noFill/>
-                    </a:rPr>
-                    <a:t> </a:t>
-                  </a:r>
-                </a:p>
-              </p:txBody>
-            </p:sp>
-          </mc:Fallback>
-        </mc:AlternateContent>
-        <mc:AlternateContent xmlns:mc="http://schemas.openxmlformats.org/markup-compatibility/2006" xmlns:a14="http://schemas.microsoft.com/office/drawing/2010/main">
-          <mc:Choice Requires="a14">
-            <p:sp>
-              <p:nvSpPr>
-                <p:cNvPr id="31" name="TextBox 30">
-                  <a:extLst>
-                    <a:ext uri="{FF2B5EF4-FFF2-40B4-BE49-F238E27FC236}">
-                      <a16:creationId xmlns:a16="http://schemas.microsoft.com/office/drawing/2014/main" id="{4D066E84-DACA-7941-BA29-86B2E4B54920}"/>
-                    </a:ext>
-                  </a:extLst>
-                </p:cNvPr>
-                <p:cNvSpPr txBox="1"/>
-                <p:nvPr/>
-              </p:nvSpPr>
-              <p:spPr>
-                <a:xfrm>
-                  <a:off x="9596446" y="1508140"/>
-                  <a:ext cx="543290" cy="646331"/>
-                </a:xfrm>
-                <a:prstGeom prst="rect">
-                  <a:avLst/>
-                </a:prstGeom>
-                <a:noFill/>
-              </p:spPr>
-              <p:txBody>
-                <a:bodyPr wrap="none" rtlCol="0">
-                  <a:spAutoFit/>
-                </a:bodyPr>
-                <a:lstStyle/>
-                <a:p>
-                  <a:pPr/>
-                  <a14:m>
-                    <m:oMathPara xmlns:m="http://schemas.openxmlformats.org/officeDocument/2006/math">
-                      <m:oMathParaPr>
-                        <m:jc m:val="centerGroup"/>
-                      </m:oMathParaPr>
-                      <m:oMath xmlns:m="http://schemas.openxmlformats.org/officeDocument/2006/math">
-                        <m:r>
-                          <a:rPr lang="en-US" sz="3600" i="1" smtClean="0">
-                            <a:latin typeface="Cambria Math" panose="02040503050406030204" pitchFamily="18" charset="0"/>
-                          </a:rPr>
-                          <m:t>𝛾</m:t>
-                        </m:r>
-                      </m:oMath>
-                    </m:oMathPara>
-                  </a14:m>
-                  <a:endParaRPr lang="en-KR" dirty="0"/>
-                </a:p>
-              </p:txBody>
-            </p:sp>
-          </mc:Choice>
-          <mc:Fallback xmlns="">
-            <p:sp>
-              <p:nvSpPr>
-                <p:cNvPr id="31" name="TextBox 30">
-                  <a:extLst>
-                    <a:ext uri="{FF2B5EF4-FFF2-40B4-BE49-F238E27FC236}">
-                      <a16:creationId xmlns:a16="http://schemas.microsoft.com/office/drawing/2014/main" id="{4D066E84-DACA-7941-BA29-86B2E4B54920}"/>
-                    </a:ext>
-                  </a:extLst>
-                </p:cNvPr>
-                <p:cNvSpPr txBox="1">
-                  <a:spLocks noRot="1" noChangeAspect="1" noMove="1" noResize="1" noEditPoints="1" noAdjustHandles="1" noChangeArrowheads="1" noChangeShapeType="1" noTextEdit="1"/>
-                </p:cNvSpPr>
-                <p:nvPr/>
-              </p:nvSpPr>
-              <p:spPr>
-                <a:xfrm>
-                  <a:off x="9596446" y="1508140"/>
-                  <a:ext cx="543290" cy="646331"/>
-                </a:xfrm>
-                <a:prstGeom prst="rect">
-                  <a:avLst/>
-                </a:prstGeom>
-                <a:blipFill>
-                  <a:blip r:embed="rId11"/>
-                  <a:stretch>
-                    <a:fillRect b="-11538"/>
-                  </a:stretch>
-                </a:blipFill>
-              </p:spPr>
-              <p:txBody>
-                <a:bodyPr/>
-                <a:lstStyle/>
-                <a:p>
-                  <a:r>
-                    <a:rPr lang="en-KR">
-                      <a:noFill/>
-                    </a:rPr>
-                    <a:t> </a:t>
-                  </a:r>
-                </a:p>
-              </p:txBody>
-            </p:sp>
-          </mc:Fallback>
-        </mc:AlternateContent>
-        <mc:AlternateContent xmlns:mc="http://schemas.openxmlformats.org/markup-compatibility/2006">
-          <mc:Choice xmlns:a14="http://schemas.microsoft.com/office/drawing/2010/main" Requires="a14">
-            <p:sp>
-              <p:nvSpPr>
-                <p:cNvPr id="33" name="TextBox 32">
-                  <a:extLst>
-                    <a:ext uri="{FF2B5EF4-FFF2-40B4-BE49-F238E27FC236}">
-                      <a16:creationId xmlns:a16="http://schemas.microsoft.com/office/drawing/2014/main" id="{689CB96A-7B0D-3D4C-8010-4A06FFC83F73}"/>
-                    </a:ext>
-                  </a:extLst>
-                </p:cNvPr>
-                <p:cNvSpPr txBox="1"/>
-                <p:nvPr/>
-              </p:nvSpPr>
-              <p:spPr>
-                <a:xfrm>
-                  <a:off x="3591650" y="2961773"/>
-                  <a:ext cx="1836978" cy="1223733"/>
-                </a:xfrm>
-                <a:prstGeom prst="rect">
-                  <a:avLst/>
-                </a:prstGeom>
-                <a:noFill/>
-              </p:spPr>
-              <p:txBody>
-                <a:bodyPr wrap="none" rtlCol="0">
-                  <a:spAutoFit/>
-                </a:bodyPr>
-                <a:lstStyle/>
-                <a:p>
-                  <a:pPr/>
-                  <a14:m>
-                    <m:oMathPara xmlns:m="http://schemas.openxmlformats.org/officeDocument/2006/math">
-                      <m:oMathParaPr>
-                        <m:jc m:val="centerGroup"/>
-                      </m:oMathParaPr>
-                      <m:oMath xmlns:m="http://schemas.openxmlformats.org/officeDocument/2006/math">
-                        <m:f>
-                          <m:fPr>
-                            <m:ctrlPr>
-                              <a:rPr lang="en-US" sz="3600" b="0" i="1" smtClean="0">
-                                <a:latin typeface="Cambria Math" panose="02040503050406030204" pitchFamily="18" charset="0"/>
-                              </a:rPr>
-                            </m:ctrlPr>
-                          </m:fPr>
-                          <m:num>
-                            <m:sSub>
-                              <m:sSubPr>
-                                <m:ctrlPr>
-                                  <a:rPr lang="en-US" sz="3600" b="0" i="1" smtClean="0">
-                                    <a:latin typeface="Cambria Math" panose="02040503050406030204" pitchFamily="18" charset="0"/>
-                                  </a:rPr>
-                                </m:ctrlPr>
-                              </m:sSubPr>
-                              <m:e>
-                                <m:r>
-                                  <a:rPr lang="en-US" sz="3600" b="0" i="1" smtClean="0">
-                                    <a:latin typeface="Cambria Math" panose="02040503050406030204" pitchFamily="18" charset="0"/>
-                                  </a:rPr>
-                                  <m:t>1−</m:t>
-                                </m:r>
-                                <m:r>
-                                  <a:rPr lang="en-US" sz="3600" b="0" i="1" smtClean="0">
-                                    <a:latin typeface="Cambria Math" panose="02040503050406030204" pitchFamily="18" charset="0"/>
-                                  </a:rPr>
-                                  <m:t>𝑒</m:t>
-                                </m:r>
-                              </m:e>
-                              <m:sub>
-                                <m:r>
-                                  <a:rPr lang="en-US" sz="3600" b="0" i="1" smtClean="0">
-                                    <a:latin typeface="Cambria Math" panose="02040503050406030204" pitchFamily="18" charset="0"/>
-                                  </a:rPr>
-                                  <m:t>1</m:t>
-                                </m:r>
-                              </m:sub>
-                            </m:sSub>
-                          </m:num>
-                          <m:den>
-                            <m:sSub>
-                              <m:sSubPr>
-                                <m:ctrlPr>
-                                  <a:rPr lang="en-US" sz="3600" b="0" i="1" smtClean="0">
-                                    <a:latin typeface="Cambria Math" panose="02040503050406030204" pitchFamily="18" charset="0"/>
-                                  </a:rPr>
-                                </m:ctrlPr>
-                              </m:sSubPr>
-                              <m:e>
-                                <m:r>
-                                  <a:rPr lang="en-US" sz="3600" b="0" i="1" smtClean="0">
-                                    <a:latin typeface="Cambria Math" panose="02040503050406030204" pitchFamily="18" charset="0"/>
-                                  </a:rPr>
-                                  <m:t>𝑒</m:t>
-                                </m:r>
-                              </m:e>
-                              <m:sub>
-                                <m:r>
-                                  <a:rPr lang="en-US" sz="3600" b="0" i="1" smtClean="0">
-                                    <a:latin typeface="Cambria Math" panose="02040503050406030204" pitchFamily="18" charset="0"/>
-                                  </a:rPr>
-                                  <m:t>2</m:t>
-                                </m:r>
-                              </m:sub>
-                            </m:sSub>
-                          </m:den>
-                        </m:f>
-                        <m:r>
-                          <a:rPr lang="en-US" sz="3600" i="1" smtClean="0">
-                            <a:latin typeface="Cambria Math" panose="02040503050406030204" pitchFamily="18" charset="0"/>
-                          </a:rPr>
-                          <m:t>𝜆</m:t>
-                        </m:r>
-                      </m:oMath>
-                    </m:oMathPara>
-                  </a14:m>
-                  <a:endParaRPr lang="en-KR" dirty="0"/>
-                </a:p>
-              </p:txBody>
-            </p:sp>
-          </mc:Choice>
-          <mc:Fallback>
-            <p:sp>
-              <p:nvSpPr>
-                <p:cNvPr id="33" name="TextBox 32">
-                  <a:extLst>
-                    <a:ext uri="{FF2B5EF4-FFF2-40B4-BE49-F238E27FC236}">
-                      <a16:creationId xmlns:a16="http://schemas.microsoft.com/office/drawing/2014/main" id="{689CB96A-7B0D-3D4C-8010-4A06FFC83F73}"/>
-                    </a:ext>
-                  </a:extLst>
-                </p:cNvPr>
-                <p:cNvSpPr txBox="1">
-                  <a:spLocks noRot="1" noChangeAspect="1" noMove="1" noResize="1" noEditPoints="1" noAdjustHandles="1" noChangeArrowheads="1" noChangeShapeType="1" noTextEdit="1"/>
-                </p:cNvSpPr>
-                <p:nvPr/>
-              </p:nvSpPr>
-              <p:spPr>
-                <a:xfrm>
-                  <a:off x="3591650" y="2961773"/>
-                  <a:ext cx="1836978" cy="1223733"/>
-                </a:xfrm>
-                <a:prstGeom prst="rect">
-                  <a:avLst/>
-                </a:prstGeom>
-                <a:blipFill>
-                  <a:blip r:embed="rId12"/>
-                  <a:stretch>
-                    <a:fillRect b="-5155"/>
-                  </a:stretch>
-                </a:blipFill>
-              </p:spPr>
-              <p:txBody>
-                <a:bodyPr/>
-                <a:lstStyle/>
-                <a:p>
-                  <a:r>
-                    <a:rPr lang="en-KR">
-                      <a:noFill/>
-                    </a:rPr>
-                    <a:t> </a:t>
-                  </a:r>
-                </a:p>
-              </p:txBody>
-            </p:sp>
-          </mc:Fallback>
-        </mc:AlternateContent>
-        <mc:AlternateContent xmlns:mc="http://schemas.openxmlformats.org/markup-compatibility/2006" xmlns:a14="http://schemas.microsoft.com/office/drawing/2010/main">
-          <mc:Choice Requires="a14">
-            <p:sp>
-              <p:nvSpPr>
-                <p:cNvPr id="34" name="TextBox 33">
-                  <a:extLst>
-                    <a:ext uri="{FF2B5EF4-FFF2-40B4-BE49-F238E27FC236}">
-                      <a16:creationId xmlns:a16="http://schemas.microsoft.com/office/drawing/2014/main" id="{10DB767E-2A35-454C-93CD-0E0509A2B2EF}"/>
-                    </a:ext>
-                  </a:extLst>
-                </p:cNvPr>
-                <p:cNvSpPr txBox="1"/>
-                <p:nvPr/>
-              </p:nvSpPr>
-              <p:spPr>
-                <a:xfrm>
-                  <a:off x="6050070" y="4146111"/>
-                  <a:ext cx="4707994" cy="523220"/>
-                </a:xfrm>
-                <a:prstGeom prst="rect">
-                  <a:avLst/>
-                </a:prstGeom>
-                <a:noFill/>
-              </p:spPr>
-              <p:txBody>
-                <a:bodyPr wrap="square" rtlCol="0">
-                  <a:spAutoFit/>
-                </a:bodyPr>
-                <a:lstStyle/>
-                <a:p>
-                  <a:r>
-                    <a:rPr lang="en-KR" sz="2800" dirty="0"/>
-                    <a:t># of vaccinated (2nd dose)</a:t>
-                  </a:r>
-                  <a14:m>
-                    <m:oMath xmlns:m="http://schemas.openxmlformats.org/officeDocument/2006/math">
-                      <m:r>
-                        <a:rPr lang="en-US" sz="2800" b="0" i="1" smtClean="0">
-                          <a:latin typeface="Cambria Math" panose="02040503050406030204" pitchFamily="18" charset="0"/>
-                        </a:rPr>
-                        <m:t>×</m:t>
-                      </m:r>
-                      <m:sSub>
-                        <m:sSubPr>
-                          <m:ctrlPr>
-                            <a:rPr lang="en-US" sz="2800" b="0" i="1" smtClean="0">
-                              <a:latin typeface="Cambria Math" panose="02040503050406030204" pitchFamily="18" charset="0"/>
-                            </a:rPr>
-                          </m:ctrlPr>
-                        </m:sSubPr>
-                        <m:e>
-                          <m:r>
-                            <a:rPr lang="en-US" sz="2800" b="0" i="1" smtClean="0">
-                              <a:latin typeface="Cambria Math" panose="02040503050406030204" pitchFamily="18" charset="0"/>
-                            </a:rPr>
-                            <m:t>𝑒</m:t>
-                          </m:r>
-                        </m:e>
-                        <m:sub>
-                          <m:r>
-                            <a:rPr lang="en-US" sz="2800" b="0" i="1" smtClean="0">
-                              <a:latin typeface="Cambria Math" panose="02040503050406030204" pitchFamily="18" charset="0"/>
-                            </a:rPr>
-                            <m:t>2</m:t>
-                          </m:r>
-                        </m:sub>
-                      </m:sSub>
-                    </m:oMath>
-                  </a14:m>
-                  <a:endParaRPr lang="en-KR" sz="2800" dirty="0"/>
-                </a:p>
-              </p:txBody>
-            </p:sp>
-          </mc:Choice>
-          <mc:Fallback xmlns="">
-            <p:sp>
-              <p:nvSpPr>
-                <p:cNvPr id="34" name="TextBox 33">
-                  <a:extLst>
-                    <a:ext uri="{FF2B5EF4-FFF2-40B4-BE49-F238E27FC236}">
-                      <a16:creationId xmlns:a16="http://schemas.microsoft.com/office/drawing/2014/main" id="{10DB767E-2A35-454C-93CD-0E0509A2B2EF}"/>
-                    </a:ext>
-                  </a:extLst>
-                </p:cNvPr>
-                <p:cNvSpPr txBox="1">
-                  <a:spLocks noRot="1" noChangeAspect="1" noMove="1" noResize="1" noEditPoints="1" noAdjustHandles="1" noChangeArrowheads="1" noChangeShapeType="1" noTextEdit="1"/>
-                </p:cNvSpPr>
-                <p:nvPr/>
-              </p:nvSpPr>
-              <p:spPr>
-                <a:xfrm>
-                  <a:off x="6050070" y="4146111"/>
-                  <a:ext cx="4707994" cy="523220"/>
-                </a:xfrm>
-                <a:prstGeom prst="rect">
-                  <a:avLst/>
-                </a:prstGeom>
-                <a:blipFill>
-                  <a:blip r:embed="rId13"/>
-                  <a:stretch>
-                    <a:fillRect l="-2688" t="-11905" b="-30952"/>
-                  </a:stretch>
-                </a:blipFill>
-              </p:spPr>
-              <p:txBody>
-                <a:bodyPr/>
-                <a:lstStyle/>
-                <a:p>
-                  <a:r>
-                    <a:rPr lang="en-KR">
-                      <a:noFill/>
-                    </a:rPr>
-                    <a:t> </a:t>
-                  </a:r>
-                </a:p>
-              </p:txBody>
-            </p:sp>
-          </mc:Fallback>
-        </mc:AlternateContent>
-        <mc:AlternateContent xmlns:mc="http://schemas.openxmlformats.org/markup-compatibility/2006" xmlns:a14="http://schemas.microsoft.com/office/drawing/2010/main">
-          <mc:Choice Requires="a14">
-            <p:sp>
-              <p:nvSpPr>
-                <p:cNvPr id="35" name="TextBox 34">
-                  <a:extLst>
-                    <a:ext uri="{FF2B5EF4-FFF2-40B4-BE49-F238E27FC236}">
-                      <a16:creationId xmlns:a16="http://schemas.microsoft.com/office/drawing/2014/main" id="{699C5E0F-03EB-E84E-AE79-9E3BDE7E1582}"/>
-                    </a:ext>
-                  </a:extLst>
-                </p:cNvPr>
-                <p:cNvSpPr txBox="1"/>
-                <p:nvPr/>
-              </p:nvSpPr>
-              <p:spPr>
-                <a:xfrm>
-                  <a:off x="-304405" y="3339485"/>
-                  <a:ext cx="2381165" cy="954107"/>
-                </a:xfrm>
-                <a:prstGeom prst="rect">
-                  <a:avLst/>
-                </a:prstGeom>
-                <a:noFill/>
-              </p:spPr>
-              <p:txBody>
-                <a:bodyPr wrap="none" rtlCol="0">
-                  <a:spAutoFit/>
-                </a:bodyPr>
-                <a:lstStyle/>
-                <a:p>
-                  <a:pPr algn="ctr"/>
-                  <a:r>
-                    <a:rPr lang="en-KR" sz="2800" dirty="0"/>
-                    <a:t># of vaccinated</a:t>
-                  </a:r>
-                </a:p>
-                <a:p>
-                  <a:pPr algn="ctr"/>
-                  <a:r>
-                    <a:rPr lang="en-KR" sz="2800" dirty="0"/>
-                    <a:t>(1st dose)</a:t>
-                  </a:r>
-                  <a14:m>
-                    <m:oMath xmlns:m="http://schemas.openxmlformats.org/officeDocument/2006/math">
-                      <m:r>
-                        <a:rPr lang="en-US" sz="2800" b="0" i="1" smtClean="0">
-                          <a:latin typeface="Cambria Math" panose="02040503050406030204" pitchFamily="18" charset="0"/>
-                        </a:rPr>
-                        <m:t>×</m:t>
-                      </m:r>
-                      <m:sSub>
-                        <m:sSubPr>
-                          <m:ctrlPr>
-                            <a:rPr lang="en-US" sz="2800" b="0" i="1" smtClean="0">
-                              <a:latin typeface="Cambria Math" panose="02040503050406030204" pitchFamily="18" charset="0"/>
-                            </a:rPr>
-                          </m:ctrlPr>
-                        </m:sSubPr>
-                        <m:e>
-                          <m:r>
-                            <a:rPr lang="en-US" sz="2800" b="0" i="1" smtClean="0">
-                              <a:latin typeface="Cambria Math" panose="02040503050406030204" pitchFamily="18" charset="0"/>
-                            </a:rPr>
-                            <m:t>𝑒</m:t>
-                          </m:r>
-                        </m:e>
-                        <m:sub>
-                          <m:r>
-                            <a:rPr lang="en-US" sz="2800" b="0" i="1" smtClean="0">
-                              <a:latin typeface="Cambria Math" panose="02040503050406030204" pitchFamily="18" charset="0"/>
-                            </a:rPr>
-                            <m:t>2</m:t>
-                          </m:r>
-                        </m:sub>
-                      </m:sSub>
-                    </m:oMath>
-                  </a14:m>
-                  <a:endParaRPr lang="en-KR" sz="2800" dirty="0"/>
-                </a:p>
-              </p:txBody>
-            </p:sp>
-          </mc:Choice>
-          <mc:Fallback xmlns="">
-            <p:sp>
-              <p:nvSpPr>
-                <p:cNvPr id="35" name="TextBox 34">
-                  <a:extLst>
-                    <a:ext uri="{FF2B5EF4-FFF2-40B4-BE49-F238E27FC236}">
-                      <a16:creationId xmlns:a16="http://schemas.microsoft.com/office/drawing/2014/main" id="{699C5E0F-03EB-E84E-AE79-9E3BDE7E1582}"/>
-                    </a:ext>
-                  </a:extLst>
-                </p:cNvPr>
-                <p:cNvSpPr txBox="1">
-                  <a:spLocks noRot="1" noChangeAspect="1" noMove="1" noResize="1" noEditPoints="1" noAdjustHandles="1" noChangeArrowheads="1" noChangeShapeType="1" noTextEdit="1"/>
-                </p:cNvSpPr>
-                <p:nvPr/>
-              </p:nvSpPr>
-              <p:spPr>
-                <a:xfrm>
-                  <a:off x="-304405" y="3339485"/>
-                  <a:ext cx="2381165" cy="954107"/>
-                </a:xfrm>
-                <a:prstGeom prst="rect">
-                  <a:avLst/>
-                </a:prstGeom>
-                <a:blipFill>
-                  <a:blip r:embed="rId14"/>
-                  <a:stretch>
-                    <a:fillRect l="-5319" t="-8000" r="-4787" b="-17333"/>
-                  </a:stretch>
-                </a:blipFill>
-              </p:spPr>
-              <p:txBody>
-                <a:bodyPr/>
-                <a:lstStyle/>
-                <a:p>
-                  <a:r>
-                    <a:rPr lang="en-KR">
-                      <a:noFill/>
-                    </a:rPr>
-                    <a:t> </a:t>
-                  </a:r>
-                </a:p>
-              </p:txBody>
-            </p:sp>
-          </mc:Fallback>
-        </mc:AlternateContent>
+        <p:cxnSp>
+          <p:nvCxnSpPr>
+            <p:cNvPr id="38" name="Straight Arrow Connector 37">
+              <a:extLst>
+                <a:ext uri="{FF2B5EF4-FFF2-40B4-BE49-F238E27FC236}">
+                  <a16:creationId xmlns:a16="http://schemas.microsoft.com/office/drawing/2014/main" id="{1B582824-6C72-3743-9822-BA6BC1C2F694}"/>
+                </a:ext>
+              </a:extLst>
+            </p:cNvPr>
+            <p:cNvCxnSpPr>
+              <a:cxnSpLocks/>
+              <a:stCxn id="10" idx="6"/>
+              <a:endCxn id="26" idx="2"/>
+            </p:cNvCxnSpPr>
+            <p:nvPr/>
+          </p:nvCxnSpPr>
+          <p:spPr>
+            <a:xfrm>
+              <a:off x="2789631" y="4957472"/>
+              <a:ext cx="1482822" cy="0"/>
+            </a:xfrm>
+            <a:prstGeom prst="straightConnector1">
+              <a:avLst/>
+            </a:prstGeom>
+            <a:ln w="38100">
+              <a:solidFill>
+                <a:schemeClr val="tx1"/>
+              </a:solidFill>
+              <a:headEnd type="none" w="med" len="med"/>
+              <a:tailEnd type="arrow" w="med" len="med"/>
+            </a:ln>
+          </p:spPr>
+          <p:style>
+            <a:lnRef idx="1">
+              <a:schemeClr val="accent1"/>
+            </a:lnRef>
+            <a:fillRef idx="0">
+              <a:schemeClr val="accent1"/>
+            </a:fillRef>
+            <a:effectRef idx="0">
+              <a:schemeClr val="accent1"/>
+            </a:effectRef>
+            <a:fontRef idx="minor">
+              <a:schemeClr val="tx1"/>
+            </a:fontRef>
+          </p:style>
+        </p:cxnSp>
       </p:grpSp>
     </p:spTree>
     <p:extLst>
@@ -5589,4 +6221,299 @@
     </a:ext>
   </a:extLst>
 </a:theme>
+</file>
+
+<file path=ppt/theme/theme2.xml><?xml version="1.0" encoding="utf-8"?>
+<a:theme xmlns:a="http://schemas.openxmlformats.org/drawingml/2006/main" name="Office Theme">
+  <a:themeElements>
+    <a:clrScheme name="Office">
+      <a:dk1>
+        <a:sysClr val="windowText" lastClr="000000"/>
+      </a:dk1>
+      <a:lt1>
+        <a:sysClr val="window" lastClr="FFFFFF"/>
+      </a:lt1>
+      <a:dk2>
+        <a:srgbClr val="44546A"/>
+      </a:dk2>
+      <a:lt2>
+        <a:srgbClr val="E7E6E6"/>
+      </a:lt2>
+      <a:accent1>
+        <a:srgbClr val="4472C4"/>
+      </a:accent1>
+      <a:accent2>
+        <a:srgbClr val="ED7D31"/>
+      </a:accent2>
+      <a:accent3>
+        <a:srgbClr val="A5A5A5"/>
+      </a:accent3>
+      <a:accent4>
+        <a:srgbClr val="FFC000"/>
+      </a:accent4>
+      <a:accent5>
+        <a:srgbClr val="5B9BD5"/>
+      </a:accent5>
+      <a:accent6>
+        <a:srgbClr val="70AD47"/>
+      </a:accent6>
+      <a:hlink>
+        <a:srgbClr val="0563C1"/>
+      </a:hlink>
+      <a:folHlink>
+        <a:srgbClr val="954F72"/>
+      </a:folHlink>
+    </a:clrScheme>
+    <a:fontScheme name="Office">
+      <a:majorFont>
+        <a:latin typeface="Calibri Light" panose="020F0302020204030204"/>
+        <a:ea typeface=""/>
+        <a:cs typeface=""/>
+        <a:font script="Jpan" typeface="游ゴシック Light"/>
+        <a:font script="Hang" typeface="맑은 고딕"/>
+        <a:font script="Hans" typeface="等线 Light"/>
+        <a:font script="Hant" typeface="新細明體"/>
+        <a:font script="Arab" typeface="Times New Roman"/>
+        <a:font script="Hebr" typeface="Times New Roman"/>
+        <a:font script="Thai" typeface="Angsana New"/>
+        <a:font script="Ethi" typeface="Nyala"/>
+        <a:font script="Beng" typeface="Vrinda"/>
+        <a:font script="Gujr" typeface="Shruti"/>
+        <a:font script="Khmr" typeface="MoolBoran"/>
+        <a:font script="Knda" typeface="Tunga"/>
+        <a:font script="Guru" typeface="Raavi"/>
+        <a:font script="Cans" typeface="Euphemia"/>
+        <a:font script="Cher" typeface="Plantagenet Cherokee"/>
+        <a:font script="Yiii" typeface="Microsoft Yi Baiti"/>
+        <a:font script="Tibt" typeface="Microsoft Himalaya"/>
+        <a:font script="Thaa" typeface="MV Boli"/>
+        <a:font script="Deva" typeface="Mangal"/>
+        <a:font script="Telu" typeface="Gautami"/>
+        <a:font script="Taml" typeface="Latha"/>
+        <a:font script="Syrc" typeface="Estrangelo Edessa"/>
+        <a:font script="Orya" typeface="Kalinga"/>
+        <a:font script="Mlym" typeface="Kartika"/>
+        <a:font script="Laoo" typeface="DokChampa"/>
+        <a:font script="Sinh" typeface="Iskoola Pota"/>
+        <a:font script="Mong" typeface="Mongolian Baiti"/>
+        <a:font script="Viet" typeface="Times New Roman"/>
+        <a:font script="Uigh" typeface="Microsoft Uighur"/>
+        <a:font script="Geor" typeface="Sylfaen"/>
+        <a:font script="Armn" typeface="Arial"/>
+        <a:font script="Bugi" typeface="Leelawadee UI"/>
+        <a:font script="Bopo" typeface="Microsoft JhengHei"/>
+        <a:font script="Java" typeface="Javanese Text"/>
+        <a:font script="Lisu" typeface="Segoe UI"/>
+        <a:font script="Mymr" typeface="Myanmar Text"/>
+        <a:font script="Nkoo" typeface="Ebrima"/>
+        <a:font script="Olck" typeface="Nirmala UI"/>
+        <a:font script="Osma" typeface="Ebrima"/>
+        <a:font script="Phag" typeface="Phagspa"/>
+        <a:font script="Syrn" typeface="Estrangelo Edessa"/>
+        <a:font script="Syrj" typeface="Estrangelo Edessa"/>
+        <a:font script="Syre" typeface="Estrangelo Edessa"/>
+        <a:font script="Sora" typeface="Nirmala UI"/>
+        <a:font script="Tale" typeface="Microsoft Tai Le"/>
+        <a:font script="Talu" typeface="Microsoft New Tai Lue"/>
+        <a:font script="Tfng" typeface="Ebrima"/>
+      </a:majorFont>
+      <a:minorFont>
+        <a:latin typeface="Calibri" panose="020F0502020204030204"/>
+        <a:ea typeface=""/>
+        <a:cs typeface=""/>
+        <a:font script="Jpan" typeface="游ゴシック"/>
+        <a:font script="Hang" typeface="맑은 고딕"/>
+        <a:font script="Hans" typeface="等线"/>
+        <a:font script="Hant" typeface="新細明體"/>
+        <a:font script="Arab" typeface="Arial"/>
+        <a:font script="Hebr" typeface="Arial"/>
+        <a:font script="Thai" typeface="Cordia New"/>
+        <a:font script="Ethi" typeface="Nyala"/>
+        <a:font script="Beng" typeface="Vrinda"/>
+        <a:font script="Gujr" typeface="Shruti"/>
+        <a:font script="Khmr" typeface="DaunPenh"/>
+        <a:font script="Knda" typeface="Tunga"/>
+        <a:font script="Guru" typeface="Raavi"/>
+        <a:font script="Cans" typeface="Euphemia"/>
+        <a:font script="Cher" typeface="Plantagenet Cherokee"/>
+        <a:font script="Yiii" typeface="Microsoft Yi Baiti"/>
+        <a:font script="Tibt" typeface="Microsoft Himalaya"/>
+        <a:font script="Thaa" typeface="MV Boli"/>
+        <a:font script="Deva" typeface="Mangal"/>
+        <a:font script="Telu" typeface="Gautami"/>
+        <a:font script="Taml" typeface="Latha"/>
+        <a:font script="Syrc" typeface="Estrangelo Edessa"/>
+        <a:font script="Orya" typeface="Kalinga"/>
+        <a:font script="Mlym" typeface="Kartika"/>
+        <a:font script="Laoo" typeface="DokChampa"/>
+        <a:font script="Sinh" typeface="Iskoola Pota"/>
+        <a:font script="Mong" typeface="Mongolian Baiti"/>
+        <a:font script="Viet" typeface="Arial"/>
+        <a:font script="Uigh" typeface="Microsoft Uighur"/>
+        <a:font script="Geor" typeface="Sylfaen"/>
+        <a:font script="Armn" typeface="Arial"/>
+        <a:font script="Bugi" typeface="Leelawadee UI"/>
+        <a:font script="Bopo" typeface="Microsoft JhengHei"/>
+        <a:font script="Java" typeface="Javanese Text"/>
+        <a:font script="Lisu" typeface="Segoe UI"/>
+        <a:font script="Mymr" typeface="Myanmar Text"/>
+        <a:font script="Nkoo" typeface="Ebrima"/>
+        <a:font script="Olck" typeface="Nirmala UI"/>
+        <a:font script="Osma" typeface="Ebrima"/>
+        <a:font script="Phag" typeface="Phagspa"/>
+        <a:font script="Syrn" typeface="Estrangelo Edessa"/>
+        <a:font script="Syrj" typeface="Estrangelo Edessa"/>
+        <a:font script="Syre" typeface="Estrangelo Edessa"/>
+        <a:font script="Sora" typeface="Nirmala UI"/>
+        <a:font script="Tale" typeface="Microsoft Tai Le"/>
+        <a:font script="Talu" typeface="Microsoft New Tai Lue"/>
+        <a:font script="Tfng" typeface="Ebrima"/>
+      </a:minorFont>
+    </a:fontScheme>
+    <a:fmtScheme name="Office">
+      <a:fillStyleLst>
+        <a:solidFill>
+          <a:schemeClr val="phClr"/>
+        </a:solidFill>
+        <a:gradFill rotWithShape="1">
+          <a:gsLst>
+            <a:gs pos="0">
+              <a:schemeClr val="phClr">
+                <a:lumMod val="110000"/>
+                <a:satMod val="105000"/>
+                <a:tint val="67000"/>
+              </a:schemeClr>
+            </a:gs>
+            <a:gs pos="50000">
+              <a:schemeClr val="phClr">
+                <a:lumMod val="105000"/>
+                <a:satMod val="103000"/>
+                <a:tint val="73000"/>
+              </a:schemeClr>
+            </a:gs>
+            <a:gs pos="100000">
+              <a:schemeClr val="phClr">
+                <a:lumMod val="105000"/>
+                <a:satMod val="109000"/>
+                <a:tint val="81000"/>
+              </a:schemeClr>
+            </a:gs>
+          </a:gsLst>
+          <a:lin ang="5400000" scaled="0"/>
+        </a:gradFill>
+        <a:gradFill rotWithShape="1">
+          <a:gsLst>
+            <a:gs pos="0">
+              <a:schemeClr val="phClr">
+                <a:satMod val="103000"/>
+                <a:lumMod val="102000"/>
+                <a:tint val="94000"/>
+              </a:schemeClr>
+            </a:gs>
+            <a:gs pos="50000">
+              <a:schemeClr val="phClr">
+                <a:satMod val="110000"/>
+                <a:lumMod val="100000"/>
+                <a:shade val="100000"/>
+              </a:schemeClr>
+            </a:gs>
+            <a:gs pos="100000">
+              <a:schemeClr val="phClr">
+                <a:lumMod val="99000"/>
+                <a:satMod val="120000"/>
+                <a:shade val="78000"/>
+              </a:schemeClr>
+            </a:gs>
+          </a:gsLst>
+          <a:lin ang="5400000" scaled="0"/>
+        </a:gradFill>
+      </a:fillStyleLst>
+      <a:lnStyleLst>
+        <a:ln w="6350" cap="flat" cmpd="sng" algn="ctr">
+          <a:solidFill>
+            <a:schemeClr val="phClr"/>
+          </a:solidFill>
+          <a:prstDash val="solid"/>
+          <a:miter lim="800000"/>
+        </a:ln>
+        <a:ln w="12700" cap="flat" cmpd="sng" algn="ctr">
+          <a:solidFill>
+            <a:schemeClr val="phClr"/>
+          </a:solidFill>
+          <a:prstDash val="solid"/>
+          <a:miter lim="800000"/>
+        </a:ln>
+        <a:ln w="19050" cap="flat" cmpd="sng" algn="ctr">
+          <a:solidFill>
+            <a:schemeClr val="phClr"/>
+          </a:solidFill>
+          <a:prstDash val="solid"/>
+          <a:miter lim="800000"/>
+        </a:ln>
+      </a:lnStyleLst>
+      <a:effectStyleLst>
+        <a:effectStyle>
+          <a:effectLst/>
+        </a:effectStyle>
+        <a:effectStyle>
+          <a:effectLst/>
+        </a:effectStyle>
+        <a:effectStyle>
+          <a:effectLst>
+            <a:outerShdw blurRad="57150" dist="19050" dir="5400000" algn="ctr" rotWithShape="0">
+              <a:srgbClr val="000000">
+                <a:alpha val="63000"/>
+              </a:srgbClr>
+            </a:outerShdw>
+          </a:effectLst>
+        </a:effectStyle>
+      </a:effectStyleLst>
+      <a:bgFillStyleLst>
+        <a:solidFill>
+          <a:schemeClr val="phClr"/>
+        </a:solidFill>
+        <a:solidFill>
+          <a:schemeClr val="phClr">
+            <a:tint val="95000"/>
+            <a:satMod val="170000"/>
+          </a:schemeClr>
+        </a:solidFill>
+        <a:gradFill rotWithShape="1">
+          <a:gsLst>
+            <a:gs pos="0">
+              <a:schemeClr val="phClr">
+                <a:tint val="93000"/>
+                <a:satMod val="150000"/>
+                <a:shade val="98000"/>
+                <a:lumMod val="102000"/>
+              </a:schemeClr>
+            </a:gs>
+            <a:gs pos="50000">
+              <a:schemeClr val="phClr">
+                <a:tint val="98000"/>
+                <a:satMod val="130000"/>
+                <a:shade val="90000"/>
+                <a:lumMod val="103000"/>
+              </a:schemeClr>
+            </a:gs>
+            <a:gs pos="100000">
+              <a:schemeClr val="phClr">
+                <a:shade val="63000"/>
+                <a:satMod val="120000"/>
+              </a:schemeClr>
+            </a:gs>
+          </a:gsLst>
+          <a:lin ang="5400000" scaled="0"/>
+        </a:gradFill>
+      </a:bgFillStyleLst>
+    </a:fmtScheme>
+  </a:themeElements>
+  <a:objectDefaults/>
+  <a:extraClrSchemeLst/>
+  <a:extLst>
+    <a:ext uri="{05A4C25C-085E-4340-85A3-A5531E510DB2}">
+      <thm15:themeFamily xmlns:thm15="http://schemas.microsoft.com/office/thememl/2012/main" name="Office Theme" id="{62F939B6-93AF-4DB8-9C6B-D6C7DFDC589F}" vid="{4A3C46E8-61CC-4603-A589-7422A47A8E4A}"/>
+    </a:ext>
+  </a:extLst>
+</a:theme>
 </file>